--- a/Slides.pptx
+++ b/Slides.pptx
@@ -5,28 +5,27 @@
     <p:sldMasterId id="2147483648" r:id="rId1"/>
   </p:sldMasterIdLst>
   <p:notesMasterIdLst>
-    <p:notesMasterId r:id="rId21"/>
+    <p:notesMasterId r:id="rId20"/>
   </p:notesMasterIdLst>
   <p:sldIdLst>
     <p:sldId id="256" r:id="rId2"/>
-    <p:sldId id="263" r:id="rId3"/>
-    <p:sldId id="257" r:id="rId4"/>
-    <p:sldId id="258" r:id="rId5"/>
-    <p:sldId id="259" r:id="rId6"/>
-    <p:sldId id="268" r:id="rId7"/>
-    <p:sldId id="260" r:id="rId8"/>
-    <p:sldId id="269" r:id="rId9"/>
-    <p:sldId id="270" r:id="rId10"/>
-    <p:sldId id="271" r:id="rId11"/>
-    <p:sldId id="272" r:id="rId12"/>
-    <p:sldId id="264" r:id="rId13"/>
-    <p:sldId id="262" r:id="rId14"/>
-    <p:sldId id="273" r:id="rId15"/>
-    <p:sldId id="274" r:id="rId16"/>
-    <p:sldId id="275" r:id="rId17"/>
-    <p:sldId id="265" r:id="rId18"/>
-    <p:sldId id="266" r:id="rId19"/>
-    <p:sldId id="267" r:id="rId20"/>
+    <p:sldId id="257" r:id="rId3"/>
+    <p:sldId id="258" r:id="rId4"/>
+    <p:sldId id="259" r:id="rId5"/>
+    <p:sldId id="268" r:id="rId6"/>
+    <p:sldId id="260" r:id="rId7"/>
+    <p:sldId id="269" r:id="rId8"/>
+    <p:sldId id="270" r:id="rId9"/>
+    <p:sldId id="271" r:id="rId10"/>
+    <p:sldId id="272" r:id="rId11"/>
+    <p:sldId id="264" r:id="rId12"/>
+    <p:sldId id="262" r:id="rId13"/>
+    <p:sldId id="273" r:id="rId14"/>
+    <p:sldId id="274" r:id="rId15"/>
+    <p:sldId id="275" r:id="rId16"/>
+    <p:sldId id="265" r:id="rId17"/>
+    <p:sldId id="266" r:id="rId18"/>
+    <p:sldId id="267" r:id="rId19"/>
   </p:sldIdLst>
   <p:sldSz cx="12192000" cy="6858000"/>
   <p:notesSz cx="6858000" cy="9144000"/>
@@ -125,13 +124,18 @@
       </a:defRPr>
     </a:lvl9pPr>
   </p:defaultTextStyle>
+  <p:extLst>
+    <p:ext uri="{EFAFB233-063F-42B5-8137-9DF3F51BA10A}">
+      <p15:sldGuideLst xmlns:p15="http://schemas.microsoft.com/office/powerpoint/2012/main"/>
+    </p:ext>
+  </p:extLst>
 </p:presentation>
 </file>
 
 <file path=ppt/revisionInfo.xml><?xml version="1.0" encoding="utf-8"?>
 <p1510:revInfo xmlns:a="http://schemas.openxmlformats.org/drawingml/2006/main" xmlns:r="http://schemas.openxmlformats.org/officeDocument/2006/relationships" xmlns:p1510="http://schemas.microsoft.com/office/powerpoint/2015/10/main">
   <p1510:revLst>
-    <p1510:client id="{687C0F8C-C77B-43C4-9F12-16B2BAD07984}" v="3929" dt="2019-04-22T20:24:46.886"/>
+    <p1510:client id="{687C0F8C-C77B-43C4-9F12-16B2BAD07984}" v="3930" dt="2019-04-30T19:11:17.387"/>
   </p1510:revLst>
 </p1510:revInfo>
 </file>
@@ -141,7 +145,7 @@
   <pc:docChgLst>
     <pc:chgData name="Joseph Scavetta" userId="359fb369a930e361" providerId="LiveId" clId="{687C0F8C-C77B-43C4-9F12-16B2BAD07984}"/>
     <pc:docChg chg="undo custSel addSld delSld modSld sldOrd">
-      <pc:chgData name="Joseph Scavetta" userId="359fb369a930e361" providerId="LiveId" clId="{687C0F8C-C77B-43C4-9F12-16B2BAD07984}" dt="2019-04-22T20:24:46.886" v="3922" actId="20577"/>
+      <pc:chgData name="Joseph Scavetta" userId="359fb369a930e361" providerId="LiveId" clId="{687C0F8C-C77B-43C4-9F12-16B2BAD07984}" dt="2019-04-30T19:11:17.387" v="3923" actId="2696"/>
       <pc:docMkLst>
         <pc:docMk/>
       </pc:docMkLst>
@@ -428,21 +432,6 @@
           </ac:cxnSpMkLst>
         </pc:cxnChg>
       </pc:sldChg>
-      <pc:sldChg chg="modSp add del">
-        <pc:chgData name="Joseph Scavetta" userId="359fb369a930e361" providerId="LiveId" clId="{687C0F8C-C77B-43C4-9F12-16B2BAD07984}" dt="2019-04-22T18:01:23.709" v="481" actId="2696"/>
-        <pc:sldMkLst>
-          <pc:docMk/>
-          <pc:sldMk cId="1851567726" sldId="261"/>
-        </pc:sldMkLst>
-        <pc:spChg chg="mod">
-          <ac:chgData name="Joseph Scavetta" userId="359fb369a930e361" providerId="LiveId" clId="{687C0F8C-C77B-43C4-9F12-16B2BAD07984}" dt="2019-04-22T18:00:18.866" v="464"/>
-          <ac:spMkLst>
-            <pc:docMk/>
-            <pc:sldMk cId="1851567726" sldId="261"/>
-            <ac:spMk id="2" creationId="{D7532322-D67A-454F-B146-594142233154}"/>
-          </ac:spMkLst>
-        </pc:spChg>
-      </pc:sldChg>
       <pc:sldChg chg="addSp delSp modSp add">
         <pc:chgData name="Joseph Scavetta" userId="359fb369a930e361" providerId="LiveId" clId="{687C0F8C-C77B-43C4-9F12-16B2BAD07984}" dt="2019-04-22T20:03:36.143" v="3440" actId="1076"/>
         <pc:sldMkLst>
@@ -490,8 +479,8 @@
           </ac:picMkLst>
         </pc:picChg>
       </pc:sldChg>
-      <pc:sldChg chg="modSp add">
-        <pc:chgData name="Joseph Scavetta" userId="359fb369a930e361" providerId="LiveId" clId="{687C0F8C-C77B-43C4-9F12-16B2BAD07984}" dt="2019-04-22T18:37:30.060" v="1174" actId="122"/>
+      <pc:sldChg chg="modSp add del">
+        <pc:chgData name="Joseph Scavetta" userId="359fb369a930e361" providerId="LiveId" clId="{687C0F8C-C77B-43C4-9F12-16B2BAD07984}" dt="2019-04-30T19:11:17.387" v="3923" actId="2696"/>
         <pc:sldMkLst>
           <pc:docMk/>
           <pc:sldMk cId="111007077" sldId="263"/>
@@ -512,20 +501,6 @@
             <ac:spMk id="3" creationId="{49505872-ACD6-471F-8E1F-9F5F6FB277EB}"/>
           </ac:spMkLst>
         </pc:spChg>
-      </pc:sldChg>
-      <pc:sldChg chg="add del">
-        <pc:chgData name="Joseph Scavetta" userId="359fb369a930e361" providerId="LiveId" clId="{687C0F8C-C77B-43C4-9F12-16B2BAD07984}" dt="2019-04-22T17:34:48.378" v="10" actId="2696"/>
-        <pc:sldMkLst>
-          <pc:docMk/>
-          <pc:sldMk cId="1064691413" sldId="263"/>
-        </pc:sldMkLst>
-      </pc:sldChg>
-      <pc:sldChg chg="add del">
-        <pc:chgData name="Joseph Scavetta" userId="359fb369a930e361" providerId="LiveId" clId="{687C0F8C-C77B-43C4-9F12-16B2BAD07984}" dt="2019-04-22T17:34:49.056" v="11" actId="2696"/>
-        <pc:sldMkLst>
-          <pc:docMk/>
-          <pc:sldMk cId="262116621" sldId="264"/>
-        </pc:sldMkLst>
       </pc:sldChg>
       <pc:sldChg chg="addSp delSp modSp add ord modNotesTx">
         <pc:chgData name="Joseph Scavetta" userId="359fb369a930e361" providerId="LiveId" clId="{687C0F8C-C77B-43C4-9F12-16B2BAD07984}" dt="2019-04-22T19:57:48.980" v="3154" actId="20577"/>
@@ -605,13 +580,6 @@
           </ac:picMkLst>
         </pc:picChg>
       </pc:sldChg>
-      <pc:sldChg chg="add del">
-        <pc:chgData name="Joseph Scavetta" userId="359fb369a930e361" providerId="LiveId" clId="{687C0F8C-C77B-43C4-9F12-16B2BAD07984}" dt="2019-04-22T17:34:49.567" v="12" actId="2696"/>
-        <pc:sldMkLst>
-          <pc:docMk/>
-          <pc:sldMk cId="2489175871" sldId="265"/>
-        </pc:sldMkLst>
-      </pc:sldChg>
       <pc:sldChg chg="addSp delSp modSp add modNotesTx">
         <pc:chgData name="Joseph Scavetta" userId="359fb369a930e361" providerId="LiveId" clId="{687C0F8C-C77B-43C4-9F12-16B2BAD07984}" dt="2019-04-22T20:15:21.082" v="3672" actId="20577"/>
         <pc:sldMkLst>
@@ -1889,29 +1857,6 @@
             <ac:picMk id="6" creationId="{3AAC7A68-F47B-48A0-BAA0-33B8CA8B3300}"/>
           </ac:picMkLst>
         </pc:picChg>
-      </pc:sldChg>
-      <pc:sldChg chg="modSp add del">
-        <pc:chgData name="Joseph Scavetta" userId="359fb369a930e361" providerId="LiveId" clId="{687C0F8C-C77B-43C4-9F12-16B2BAD07984}" dt="2019-04-22T20:24:07.729" v="3904" actId="2696"/>
-        <pc:sldMkLst>
-          <pc:docMk/>
-          <pc:sldMk cId="1753795848" sldId="276"/>
-        </pc:sldMkLst>
-        <pc:spChg chg="mod">
-          <ac:chgData name="Joseph Scavetta" userId="359fb369a930e361" providerId="LiveId" clId="{687C0F8C-C77B-43C4-9F12-16B2BAD07984}" dt="2019-04-22T20:23:29.685" v="3900" actId="20577"/>
-          <ac:spMkLst>
-            <pc:docMk/>
-            <pc:sldMk cId="1753795848" sldId="276"/>
-            <ac:spMk id="2" creationId="{7EDD8E23-9042-4F8D-BFDE-291E35B272EB}"/>
-          </ac:spMkLst>
-        </pc:spChg>
-        <pc:spChg chg="mod">
-          <ac:chgData name="Joseph Scavetta" userId="359fb369a930e361" providerId="LiveId" clId="{687C0F8C-C77B-43C4-9F12-16B2BAD07984}" dt="2019-04-22T20:24:04.857" v="3903"/>
-          <ac:spMkLst>
-            <pc:docMk/>
-            <pc:sldMk cId="1753795848" sldId="276"/>
-            <ac:spMk id="3" creationId="{BE0D6F0D-41EB-47A7-B561-F49BC3171DC4}"/>
-          </ac:spMkLst>
-        </pc:spChg>
       </pc:sldChg>
     </pc:docChg>
   </pc:docChgLst>
@@ -2000,7 +1945,7 @@
           <a:p>
             <a:fld id="{B8FBB2FF-706E-4DA2-B17A-43E7A3F40F73}" type="datetimeFigureOut">
               <a:rPr lang="en-US" smtClean="0"/>
-              <a:t>4/22/2019</a:t>
+              <a:t>4/30/2019</a:t>
             </a:fld>
             <a:endParaRPr lang="en-US"/>
           </a:p>
@@ -2476,7 +2421,7 @@
           <a:p>
             <a:fld id="{39254468-0D78-41A6-8AB8-9097CCF83011}" type="slidenum">
               <a:rPr lang="en-US" smtClean="0"/>
-              <a:t>3</a:t>
+              <a:t>2</a:t>
             </a:fld>
             <a:endParaRPr lang="en-US"/>
           </a:p>
@@ -2653,7 +2598,7 @@
           <a:p>
             <a:fld id="{39254468-0D78-41A6-8AB8-9097CCF83011}" type="slidenum">
               <a:rPr lang="en-US" smtClean="0"/>
-              <a:t>12</a:t>
+              <a:t>11</a:t>
             </a:fld>
             <a:endParaRPr lang="en-US"/>
           </a:p>
@@ -2746,7 +2691,7 @@
           <a:p>
             <a:fld id="{39254468-0D78-41A6-8AB8-9097CCF83011}" type="slidenum">
               <a:rPr lang="en-US" smtClean="0"/>
-              <a:t>18</a:t>
+              <a:t>17</a:t>
             </a:fld>
             <a:endParaRPr lang="en-US"/>
           </a:p>
@@ -2830,7 +2775,7 @@
           <a:p>
             <a:fld id="{39254468-0D78-41A6-8AB8-9097CCF83011}" type="slidenum">
               <a:rPr lang="en-US" smtClean="0"/>
-              <a:t>19</a:t>
+              <a:t>18</a:t>
             </a:fld>
             <a:endParaRPr lang="en-US"/>
           </a:p>
@@ -2996,7 +2941,7 @@
           <a:p>
             <a:fld id="{2E943D61-C9D5-4D6D-9556-7C7DC40D8949}" type="datetimeFigureOut">
               <a:rPr lang="en-US" smtClean="0"/>
-              <a:t>4/22/2019</a:t>
+              <a:t>4/30/2019</a:t>
             </a:fld>
             <a:endParaRPr lang="en-US"/>
           </a:p>
@@ -3194,7 +3139,7 @@
           <a:p>
             <a:fld id="{2E943D61-C9D5-4D6D-9556-7C7DC40D8949}" type="datetimeFigureOut">
               <a:rPr lang="en-US" smtClean="0"/>
-              <a:t>4/22/2019</a:t>
+              <a:t>4/30/2019</a:t>
             </a:fld>
             <a:endParaRPr lang="en-US"/>
           </a:p>
@@ -3402,7 +3347,7 @@
           <a:p>
             <a:fld id="{2E943D61-C9D5-4D6D-9556-7C7DC40D8949}" type="datetimeFigureOut">
               <a:rPr lang="en-US" smtClean="0"/>
-              <a:t>4/22/2019</a:t>
+              <a:t>4/30/2019</a:t>
             </a:fld>
             <a:endParaRPr lang="en-US"/>
           </a:p>
@@ -3600,7 +3545,7 @@
           <a:p>
             <a:fld id="{2E943D61-C9D5-4D6D-9556-7C7DC40D8949}" type="datetimeFigureOut">
               <a:rPr lang="en-US" smtClean="0"/>
-              <a:t>4/22/2019</a:t>
+              <a:t>4/30/2019</a:t>
             </a:fld>
             <a:endParaRPr lang="en-US"/>
           </a:p>
@@ -3875,7 +3820,7 @@
           <a:p>
             <a:fld id="{2E943D61-C9D5-4D6D-9556-7C7DC40D8949}" type="datetimeFigureOut">
               <a:rPr lang="en-US" smtClean="0"/>
-              <a:t>4/22/2019</a:t>
+              <a:t>4/30/2019</a:t>
             </a:fld>
             <a:endParaRPr lang="en-US"/>
           </a:p>
@@ -4140,7 +4085,7 @@
           <a:p>
             <a:fld id="{2E943D61-C9D5-4D6D-9556-7C7DC40D8949}" type="datetimeFigureOut">
               <a:rPr lang="en-US" smtClean="0"/>
-              <a:t>4/22/2019</a:t>
+              <a:t>4/30/2019</a:t>
             </a:fld>
             <a:endParaRPr lang="en-US"/>
           </a:p>
@@ -4552,7 +4497,7 @@
           <a:p>
             <a:fld id="{2E943D61-C9D5-4D6D-9556-7C7DC40D8949}" type="datetimeFigureOut">
               <a:rPr lang="en-US" smtClean="0"/>
-              <a:t>4/22/2019</a:t>
+              <a:t>4/30/2019</a:t>
             </a:fld>
             <a:endParaRPr lang="en-US"/>
           </a:p>
@@ -4693,7 +4638,7 @@
           <a:p>
             <a:fld id="{2E943D61-C9D5-4D6D-9556-7C7DC40D8949}" type="datetimeFigureOut">
               <a:rPr lang="en-US" smtClean="0"/>
-              <a:t>4/22/2019</a:t>
+              <a:t>4/30/2019</a:t>
             </a:fld>
             <a:endParaRPr lang="en-US"/>
           </a:p>
@@ -4806,7 +4751,7 @@
           <a:p>
             <a:fld id="{2E943D61-C9D5-4D6D-9556-7C7DC40D8949}" type="datetimeFigureOut">
               <a:rPr lang="en-US" smtClean="0"/>
-              <a:t>4/22/2019</a:t>
+              <a:t>4/30/2019</a:t>
             </a:fld>
             <a:endParaRPr lang="en-US"/>
           </a:p>
@@ -5117,7 +5062,7 @@
           <a:p>
             <a:fld id="{2E943D61-C9D5-4D6D-9556-7C7DC40D8949}" type="datetimeFigureOut">
               <a:rPr lang="en-US" smtClean="0"/>
-              <a:t>4/22/2019</a:t>
+              <a:t>4/30/2019</a:t>
             </a:fld>
             <a:endParaRPr lang="en-US"/>
           </a:p>
@@ -5405,7 +5350,7 @@
           <a:p>
             <a:fld id="{2E943D61-C9D5-4D6D-9556-7C7DC40D8949}" type="datetimeFigureOut">
               <a:rPr lang="en-US" smtClean="0"/>
-              <a:t>4/22/2019</a:t>
+              <a:t>4/30/2019</a:t>
             </a:fld>
             <a:endParaRPr lang="en-US"/>
           </a:p>
@@ -5646,7 +5591,7 @@
           <a:p>
             <a:fld id="{2E943D61-C9D5-4D6D-9556-7C7DC40D8949}" type="datetimeFigureOut">
               <a:rPr lang="en-US" smtClean="0"/>
-              <a:t>4/22/2019</a:t>
+              <a:t>4/30/2019</a:t>
             </a:fld>
             <a:endParaRPr lang="en-US"/>
           </a:p>
@@ -6163,802 +6108,6 @@
           <p:cNvPr id="2" name="Title 1">
             <a:extLst>
               <a:ext uri="{FF2B5EF4-FFF2-40B4-BE49-F238E27FC236}">
-                <a16:creationId xmlns:a16="http://schemas.microsoft.com/office/drawing/2014/main" id="{FC460CF4-B563-4388-B239-A5060BC56311}"/>
-              </a:ext>
-            </a:extLst>
-          </p:cNvPr>
-          <p:cNvSpPr>
-            <a:spLocks noGrp="1"/>
-          </p:cNvSpPr>
-          <p:nvPr>
-            <p:ph type="title"/>
-          </p:nvPr>
-        </p:nvSpPr>
-        <p:spPr>
-          <a:xfrm>
-            <a:off x="838200" y="365125"/>
-            <a:ext cx="10515600" cy="1325563"/>
-          </a:xfrm>
-        </p:spPr>
-        <p:txBody>
-          <a:bodyPr/>
-          <a:lstStyle/>
-          <a:p>
-            <a:pPr algn="ctr"/>
-            <a:r>
-              <a:rPr lang="en-US" dirty="0"/>
-              <a:t>Methodology and Workflow</a:t>
-            </a:r>
-          </a:p>
-        </p:txBody>
-      </p:sp>
-      <p:sp>
-        <p:nvSpPr>
-          <p:cNvPr id="49" name="Rectangle 48">
-            <a:extLst>
-              <a:ext uri="{FF2B5EF4-FFF2-40B4-BE49-F238E27FC236}">
-                <a16:creationId xmlns:a16="http://schemas.microsoft.com/office/drawing/2014/main" id="{D21257C9-8748-4F02-BF1C-BA6003D0F08F}"/>
-              </a:ext>
-            </a:extLst>
-          </p:cNvPr>
-          <p:cNvSpPr/>
-          <p:nvPr/>
-        </p:nvSpPr>
-        <p:spPr>
-          <a:xfrm>
-            <a:off x="2100159" y="1615815"/>
-            <a:ext cx="1162848" cy="425217"/>
-          </a:xfrm>
-          <a:prstGeom prst="rect">
-            <a:avLst/>
-          </a:prstGeom>
-          <a:solidFill>
-            <a:schemeClr val="accent1">
-              <a:lumMod val="60000"/>
-              <a:lumOff val="40000"/>
-            </a:schemeClr>
-          </a:solidFill>
-          <a:ln>
-            <a:solidFill>
-              <a:schemeClr val="tx1"/>
-            </a:solidFill>
-          </a:ln>
-        </p:spPr>
-        <p:style>
-          <a:lnRef idx="2">
-            <a:schemeClr val="accent5">
-              <a:shade val="50000"/>
-            </a:schemeClr>
-          </a:lnRef>
-          <a:fillRef idx="1">
-            <a:schemeClr val="accent5"/>
-          </a:fillRef>
-          <a:effectRef idx="0">
-            <a:schemeClr val="accent5"/>
-          </a:effectRef>
-          <a:fontRef idx="minor">
-            <a:schemeClr val="lt1"/>
-          </a:fontRef>
-        </p:style>
-        <p:txBody>
-          <a:bodyPr rtlCol="0" anchor="ctr"/>
-          <a:lstStyle/>
-          <a:p>
-            <a:pPr algn="ctr"/>
-            <a:r>
-              <a:rPr lang="en-US" dirty="0"/>
-              <a:t>Test</a:t>
-            </a:r>
-          </a:p>
-        </p:txBody>
-      </p:sp>
-      <p:sp>
-        <p:nvSpPr>
-          <p:cNvPr id="50" name="Rectangle 49">
-            <a:extLst>
-              <a:ext uri="{FF2B5EF4-FFF2-40B4-BE49-F238E27FC236}">
-                <a16:creationId xmlns:a16="http://schemas.microsoft.com/office/drawing/2014/main" id="{3810DDCC-CE70-4553-B5D3-BD10BEE4D740}"/>
-              </a:ext>
-            </a:extLst>
-          </p:cNvPr>
-          <p:cNvSpPr/>
-          <p:nvPr/>
-        </p:nvSpPr>
-        <p:spPr>
-          <a:xfrm>
-            <a:off x="5514576" y="1614483"/>
-            <a:ext cx="1162847" cy="427783"/>
-          </a:xfrm>
-          <a:prstGeom prst="rect">
-            <a:avLst/>
-          </a:prstGeom>
-          <a:solidFill>
-            <a:schemeClr val="accent1">
-              <a:lumMod val="75000"/>
-            </a:schemeClr>
-          </a:solidFill>
-          <a:ln>
-            <a:solidFill>
-              <a:schemeClr val="tx1"/>
-            </a:solidFill>
-          </a:ln>
-        </p:spPr>
-        <p:style>
-          <a:lnRef idx="2">
-            <a:schemeClr val="accent5">
-              <a:shade val="50000"/>
-            </a:schemeClr>
-          </a:lnRef>
-          <a:fillRef idx="1">
-            <a:schemeClr val="accent5"/>
-          </a:fillRef>
-          <a:effectRef idx="0">
-            <a:schemeClr val="accent5"/>
-          </a:effectRef>
-          <a:fontRef idx="minor">
-            <a:schemeClr val="lt1"/>
-          </a:fontRef>
-        </p:style>
-        <p:txBody>
-          <a:bodyPr rtlCol="0" anchor="ctr"/>
-          <a:lstStyle/>
-          <a:p>
-            <a:pPr algn="ctr"/>
-            <a:r>
-              <a:rPr lang="en-US" dirty="0"/>
-              <a:t>Train</a:t>
-            </a:r>
-          </a:p>
-        </p:txBody>
-      </p:sp>
-      <p:sp>
-        <p:nvSpPr>
-          <p:cNvPr id="31" name="Rectangle: Top Corners Snipped 30">
-            <a:extLst>
-              <a:ext uri="{FF2B5EF4-FFF2-40B4-BE49-F238E27FC236}">
-                <a16:creationId xmlns:a16="http://schemas.microsoft.com/office/drawing/2014/main" id="{8479EEAD-574E-4F27-A718-81C77BA64275}"/>
-              </a:ext>
-            </a:extLst>
-          </p:cNvPr>
-          <p:cNvSpPr/>
-          <p:nvPr/>
-        </p:nvSpPr>
-        <p:spPr>
-          <a:xfrm>
-            <a:off x="4627829" y="2313123"/>
-            <a:ext cx="2936342" cy="642796"/>
-          </a:xfrm>
-          <a:prstGeom prst="snip2SameRect">
-            <a:avLst>
-              <a:gd name="adj1" fmla="val 50000"/>
-              <a:gd name="adj2" fmla="val 50000"/>
-            </a:avLst>
-          </a:prstGeom>
-          <a:solidFill>
-            <a:srgbClr val="7030A0"/>
-          </a:solidFill>
-          <a:ln>
-            <a:solidFill>
-              <a:schemeClr val="tx1"/>
-            </a:solidFill>
-          </a:ln>
-        </p:spPr>
-        <p:style>
-          <a:lnRef idx="2">
-            <a:schemeClr val="accent3">
-              <a:shade val="50000"/>
-            </a:schemeClr>
-          </a:lnRef>
-          <a:fillRef idx="1">
-            <a:schemeClr val="accent3"/>
-          </a:fillRef>
-          <a:effectRef idx="0">
-            <a:schemeClr val="accent3"/>
-          </a:effectRef>
-          <a:fontRef idx="minor">
-            <a:schemeClr val="lt1"/>
-          </a:fontRef>
-        </p:style>
-        <p:txBody>
-          <a:bodyPr rtlCol="0" anchor="ctr"/>
-          <a:lstStyle/>
-          <a:p>
-            <a:pPr algn="ctr"/>
-            <a:r>
-              <a:rPr lang="en-US" dirty="0"/>
-              <a:t> Mean centered and normalized in variance</a:t>
-            </a:r>
-          </a:p>
-        </p:txBody>
-      </p:sp>
-      <p:sp>
-        <p:nvSpPr>
-          <p:cNvPr id="32" name="Rectangle: Top Corners Snipped 31">
-            <a:extLst>
-              <a:ext uri="{FF2B5EF4-FFF2-40B4-BE49-F238E27FC236}">
-                <a16:creationId xmlns:a16="http://schemas.microsoft.com/office/drawing/2014/main" id="{3D5BC7D3-9CD4-4DC4-9392-A3F5B1B82B32}"/>
-              </a:ext>
-            </a:extLst>
-          </p:cNvPr>
-          <p:cNvSpPr/>
-          <p:nvPr/>
-        </p:nvSpPr>
-        <p:spPr>
-          <a:xfrm>
-            <a:off x="4627828" y="3235767"/>
-            <a:ext cx="2936342" cy="642796"/>
-          </a:xfrm>
-          <a:prstGeom prst="snip2SameRect">
-            <a:avLst>
-              <a:gd name="adj1" fmla="val 50000"/>
-              <a:gd name="adj2" fmla="val 50000"/>
-            </a:avLst>
-          </a:prstGeom>
-          <a:solidFill>
-            <a:srgbClr val="7030A0"/>
-          </a:solidFill>
-          <a:ln>
-            <a:solidFill>
-              <a:schemeClr val="tx1"/>
-            </a:solidFill>
-          </a:ln>
-        </p:spPr>
-        <p:style>
-          <a:lnRef idx="2">
-            <a:schemeClr val="accent3">
-              <a:shade val="50000"/>
-            </a:schemeClr>
-          </a:lnRef>
-          <a:fillRef idx="1">
-            <a:schemeClr val="accent3"/>
-          </a:fillRef>
-          <a:effectRef idx="0">
-            <a:schemeClr val="accent3"/>
-          </a:effectRef>
-          <a:fontRef idx="minor">
-            <a:schemeClr val="lt1"/>
-          </a:fontRef>
-        </p:style>
-        <p:txBody>
-          <a:bodyPr rtlCol="0" anchor="ctr"/>
-          <a:lstStyle/>
-          <a:p>
-            <a:pPr algn="ctr"/>
-            <a:r>
-              <a:rPr lang="en-US" dirty="0"/>
-              <a:t> Projected to less dimensions using PCA</a:t>
-            </a:r>
-          </a:p>
-        </p:txBody>
-      </p:sp>
-      <p:sp>
-        <p:nvSpPr>
-          <p:cNvPr id="33" name="Rectangle: Top Corners Rounded 32">
-            <a:extLst>
-              <a:ext uri="{FF2B5EF4-FFF2-40B4-BE49-F238E27FC236}">
-                <a16:creationId xmlns:a16="http://schemas.microsoft.com/office/drawing/2014/main" id="{FD04952C-D08A-4EF6-A817-DE95B0DCA0B0}"/>
-              </a:ext>
-            </a:extLst>
-          </p:cNvPr>
-          <p:cNvSpPr/>
-          <p:nvPr/>
-        </p:nvSpPr>
-        <p:spPr>
-          <a:xfrm>
-            <a:off x="4627828" y="4157695"/>
-            <a:ext cx="2936342" cy="642796"/>
-          </a:xfrm>
-          <a:prstGeom prst="round2SameRect">
-            <a:avLst>
-              <a:gd name="adj1" fmla="val 50000"/>
-              <a:gd name="adj2" fmla="val 0"/>
-            </a:avLst>
-          </a:prstGeom>
-          <a:solidFill>
-            <a:schemeClr val="accent6">
-              <a:lumMod val="75000"/>
-            </a:schemeClr>
-          </a:solidFill>
-          <a:ln>
-            <a:solidFill>
-              <a:schemeClr val="tx1"/>
-            </a:solidFill>
-          </a:ln>
-        </p:spPr>
-        <p:style>
-          <a:lnRef idx="2">
-            <a:schemeClr val="accent3">
-              <a:shade val="50000"/>
-            </a:schemeClr>
-          </a:lnRef>
-          <a:fillRef idx="1">
-            <a:schemeClr val="accent3"/>
-          </a:fillRef>
-          <a:effectRef idx="0">
-            <a:schemeClr val="accent3"/>
-          </a:effectRef>
-          <a:fontRef idx="minor">
-            <a:schemeClr val="lt1"/>
-          </a:fontRef>
-        </p:style>
-        <p:txBody>
-          <a:bodyPr rtlCol="0" anchor="ctr"/>
-          <a:lstStyle/>
-          <a:p>
-            <a:pPr algn="ctr"/>
-            <a:r>
-              <a:rPr lang="en-US" dirty="0"/>
-              <a:t>Hyperparameter Optimization</a:t>
-            </a:r>
-          </a:p>
-        </p:txBody>
-      </p:sp>
-      <p:sp>
-        <p:nvSpPr>
-          <p:cNvPr id="3" name="Rectangle: Rounded Corners 2">
-            <a:extLst>
-              <a:ext uri="{FF2B5EF4-FFF2-40B4-BE49-F238E27FC236}">
-                <a16:creationId xmlns:a16="http://schemas.microsoft.com/office/drawing/2014/main" id="{D985B0C9-2198-4C3C-9341-39D56D114A9B}"/>
-              </a:ext>
-            </a:extLst>
-          </p:cNvPr>
-          <p:cNvSpPr/>
-          <p:nvPr/>
-        </p:nvSpPr>
-        <p:spPr>
-          <a:xfrm>
-            <a:off x="4627827" y="4794439"/>
-            <a:ext cx="1468171" cy="552261"/>
-          </a:xfrm>
-          <a:prstGeom prst="roundRect">
-            <a:avLst>
-              <a:gd name="adj" fmla="val 0"/>
-            </a:avLst>
-          </a:prstGeom>
-          <a:solidFill>
-            <a:schemeClr val="accent2">
-              <a:lumMod val="75000"/>
-            </a:schemeClr>
-          </a:solidFill>
-          <a:ln>
-            <a:solidFill>
-              <a:schemeClr val="tx1"/>
-            </a:solidFill>
-          </a:ln>
-        </p:spPr>
-        <p:style>
-          <a:lnRef idx="2">
-            <a:schemeClr val="accent1">
-              <a:shade val="50000"/>
-            </a:schemeClr>
-          </a:lnRef>
-          <a:fillRef idx="1">
-            <a:schemeClr val="accent1"/>
-          </a:fillRef>
-          <a:effectRef idx="0">
-            <a:schemeClr val="accent1"/>
-          </a:effectRef>
-          <a:fontRef idx="minor">
-            <a:schemeClr val="lt1"/>
-          </a:fontRef>
-        </p:style>
-        <p:txBody>
-          <a:bodyPr rtlCol="0" anchor="ctr"/>
-          <a:lstStyle/>
-          <a:p>
-            <a:pPr algn="ctr"/>
-            <a:r>
-              <a:rPr lang="en-US" dirty="0"/>
-              <a:t>Validation</a:t>
-            </a:r>
-          </a:p>
-        </p:txBody>
-      </p:sp>
-      <p:sp>
-        <p:nvSpPr>
-          <p:cNvPr id="34" name="Rectangle: Rounded Corners 33">
-            <a:extLst>
-              <a:ext uri="{FF2B5EF4-FFF2-40B4-BE49-F238E27FC236}">
-                <a16:creationId xmlns:a16="http://schemas.microsoft.com/office/drawing/2014/main" id="{EF9D18F9-7CFF-4CC2-83AC-DD56DB6835A2}"/>
-              </a:ext>
-            </a:extLst>
-          </p:cNvPr>
-          <p:cNvSpPr/>
-          <p:nvPr/>
-        </p:nvSpPr>
-        <p:spPr>
-          <a:xfrm>
-            <a:off x="6095999" y="4794439"/>
-            <a:ext cx="1468171" cy="552261"/>
-          </a:xfrm>
-          <a:prstGeom prst="roundRect">
-            <a:avLst>
-              <a:gd name="adj" fmla="val 0"/>
-            </a:avLst>
-          </a:prstGeom>
-          <a:solidFill>
-            <a:schemeClr val="accent1">
-              <a:lumMod val="75000"/>
-            </a:schemeClr>
-          </a:solidFill>
-          <a:ln>
-            <a:solidFill>
-              <a:schemeClr val="tx1"/>
-            </a:solidFill>
-          </a:ln>
-        </p:spPr>
-        <p:style>
-          <a:lnRef idx="2">
-            <a:schemeClr val="accent1">
-              <a:shade val="50000"/>
-            </a:schemeClr>
-          </a:lnRef>
-          <a:fillRef idx="1">
-            <a:schemeClr val="accent1"/>
-          </a:fillRef>
-          <a:effectRef idx="0">
-            <a:schemeClr val="accent1"/>
-          </a:effectRef>
-          <a:fontRef idx="minor">
-            <a:schemeClr val="lt1"/>
-          </a:fontRef>
-        </p:style>
-        <p:txBody>
-          <a:bodyPr rtlCol="0" anchor="ctr"/>
-          <a:lstStyle/>
-          <a:p>
-            <a:pPr algn="ctr"/>
-            <a:r>
-              <a:rPr lang="en-US" dirty="0"/>
-              <a:t>Train</a:t>
-            </a:r>
-          </a:p>
-        </p:txBody>
-      </p:sp>
-      <p:sp>
-        <p:nvSpPr>
-          <p:cNvPr id="4" name="Right Bracket 3">
-            <a:extLst>
-              <a:ext uri="{FF2B5EF4-FFF2-40B4-BE49-F238E27FC236}">
-                <a16:creationId xmlns:a16="http://schemas.microsoft.com/office/drawing/2014/main" id="{4EF00CD6-B03C-47CC-9790-0E058A21FA9F}"/>
-              </a:ext>
-            </a:extLst>
-          </p:cNvPr>
-          <p:cNvSpPr/>
-          <p:nvPr/>
-        </p:nvSpPr>
-        <p:spPr>
-          <a:xfrm>
-            <a:off x="7432913" y="4092167"/>
-            <a:ext cx="301763" cy="1391092"/>
-          </a:xfrm>
-          <a:prstGeom prst="rightBracket">
-            <a:avLst/>
-          </a:prstGeom>
-        </p:spPr>
-        <p:style>
-          <a:lnRef idx="3">
-            <a:schemeClr val="dk1"/>
-          </a:lnRef>
-          <a:fillRef idx="0">
-            <a:schemeClr val="dk1"/>
-          </a:fillRef>
-          <a:effectRef idx="2">
-            <a:schemeClr val="dk1"/>
-          </a:effectRef>
-          <a:fontRef idx="minor">
-            <a:schemeClr val="tx1"/>
-          </a:fontRef>
-        </p:style>
-        <p:txBody>
-          <a:bodyPr rtlCol="0" anchor="ctr"/>
-          <a:lstStyle/>
-          <a:p>
-            <a:pPr algn="ctr"/>
-            <a:endParaRPr lang="en-US"/>
-          </a:p>
-        </p:txBody>
-      </p:sp>
-      <p:sp>
-        <p:nvSpPr>
-          <p:cNvPr id="5" name="TextBox 4">
-            <a:extLst>
-              <a:ext uri="{FF2B5EF4-FFF2-40B4-BE49-F238E27FC236}">
-                <a16:creationId xmlns:a16="http://schemas.microsoft.com/office/drawing/2014/main" id="{3E93FC5E-DBF2-4A65-906A-1016C847F595}"/>
-              </a:ext>
-            </a:extLst>
-          </p:cNvPr>
-          <p:cNvSpPr txBox="1"/>
-          <p:nvPr/>
-        </p:nvSpPr>
-        <p:spPr>
-          <a:xfrm>
-            <a:off x="7698482" y="4603047"/>
-            <a:ext cx="2670773" cy="369332"/>
-          </a:xfrm>
-          <a:prstGeom prst="rect">
-            <a:avLst/>
-          </a:prstGeom>
-          <a:noFill/>
-        </p:spPr>
-        <p:txBody>
-          <a:bodyPr wrap="square" rtlCol="0">
-            <a:spAutoFit/>
-          </a:bodyPr>
-          <a:lstStyle/>
-          <a:p>
-            <a:r>
-              <a:rPr lang="en-US" dirty="0"/>
-              <a:t> 10-fold cross-validation </a:t>
-            </a:r>
-          </a:p>
-        </p:txBody>
-      </p:sp>
-      <p:cxnSp>
-        <p:nvCxnSpPr>
-          <p:cNvPr id="35" name="Connector: Elbow 33">
-            <a:extLst>
-              <a:ext uri="{FF2B5EF4-FFF2-40B4-BE49-F238E27FC236}">
-                <a16:creationId xmlns:a16="http://schemas.microsoft.com/office/drawing/2014/main" id="{A9AAA88F-0AAD-41DB-9890-D052F13CC155}"/>
-              </a:ext>
-            </a:extLst>
-          </p:cNvPr>
-          <p:cNvCxnSpPr>
-            <a:cxnSpLocks/>
-            <a:stCxn id="50" idx="2"/>
-            <a:endCxn id="31" idx="3"/>
-          </p:cNvCxnSpPr>
-          <p:nvPr/>
-        </p:nvCxnSpPr>
-        <p:spPr>
-          <a:xfrm>
-            <a:off x="6096000" y="2042266"/>
-            <a:ext cx="0" cy="270857"/>
-          </a:xfrm>
-          <a:prstGeom prst="straightConnector1">
-            <a:avLst/>
-          </a:prstGeom>
-          <a:ln>
-            <a:solidFill>
-              <a:schemeClr val="tx1"/>
-            </a:solidFill>
-            <a:tailEnd type="triangle"/>
-          </a:ln>
-        </p:spPr>
-        <p:style>
-          <a:lnRef idx="3">
-            <a:schemeClr val="dk1"/>
-          </a:lnRef>
-          <a:fillRef idx="0">
-            <a:schemeClr val="dk1"/>
-          </a:fillRef>
-          <a:effectRef idx="2">
-            <a:schemeClr val="dk1"/>
-          </a:effectRef>
-          <a:fontRef idx="minor">
-            <a:schemeClr val="tx1"/>
-          </a:fontRef>
-        </p:style>
-      </p:cxnSp>
-      <p:cxnSp>
-        <p:nvCxnSpPr>
-          <p:cNvPr id="40" name="Connector: Elbow 33">
-            <a:extLst>
-              <a:ext uri="{FF2B5EF4-FFF2-40B4-BE49-F238E27FC236}">
-                <a16:creationId xmlns:a16="http://schemas.microsoft.com/office/drawing/2014/main" id="{6606525C-D50A-406B-9D7A-45CF78F981D4}"/>
-              </a:ext>
-            </a:extLst>
-          </p:cNvPr>
-          <p:cNvCxnSpPr>
-            <a:cxnSpLocks/>
-            <a:stCxn id="31" idx="1"/>
-            <a:endCxn id="32" idx="3"/>
-          </p:cNvCxnSpPr>
-          <p:nvPr/>
-        </p:nvCxnSpPr>
-        <p:spPr>
-          <a:xfrm flipH="1">
-            <a:off x="6095999" y="2955919"/>
-            <a:ext cx="1" cy="279848"/>
-          </a:xfrm>
-          <a:prstGeom prst="straightConnector1">
-            <a:avLst/>
-          </a:prstGeom>
-          <a:ln>
-            <a:solidFill>
-              <a:schemeClr val="tx1"/>
-            </a:solidFill>
-            <a:tailEnd type="triangle"/>
-          </a:ln>
-        </p:spPr>
-        <p:style>
-          <a:lnRef idx="3">
-            <a:schemeClr val="dk1"/>
-          </a:lnRef>
-          <a:fillRef idx="0">
-            <a:schemeClr val="dk1"/>
-          </a:fillRef>
-          <a:effectRef idx="2">
-            <a:schemeClr val="dk1"/>
-          </a:effectRef>
-          <a:fontRef idx="minor">
-            <a:schemeClr val="tx1"/>
-          </a:fontRef>
-        </p:style>
-      </p:cxnSp>
-      <p:cxnSp>
-        <p:nvCxnSpPr>
-          <p:cNvPr id="43" name="Connector: Elbow 33">
-            <a:extLst>
-              <a:ext uri="{FF2B5EF4-FFF2-40B4-BE49-F238E27FC236}">
-                <a16:creationId xmlns:a16="http://schemas.microsoft.com/office/drawing/2014/main" id="{C5AA4F6C-1B0F-409F-8913-3892ABFC8598}"/>
-              </a:ext>
-            </a:extLst>
-          </p:cNvPr>
-          <p:cNvCxnSpPr>
-            <a:cxnSpLocks/>
-            <a:stCxn id="32" idx="1"/>
-            <a:endCxn id="33" idx="3"/>
-          </p:cNvCxnSpPr>
-          <p:nvPr/>
-        </p:nvCxnSpPr>
-        <p:spPr>
-          <a:xfrm>
-            <a:off x="6095999" y="3878563"/>
-            <a:ext cx="0" cy="279132"/>
-          </a:xfrm>
-          <a:prstGeom prst="straightConnector1">
-            <a:avLst/>
-          </a:prstGeom>
-          <a:ln>
-            <a:solidFill>
-              <a:schemeClr val="tx1"/>
-            </a:solidFill>
-            <a:tailEnd type="triangle"/>
-          </a:ln>
-        </p:spPr>
-        <p:style>
-          <a:lnRef idx="3">
-            <a:schemeClr val="dk1"/>
-          </a:lnRef>
-          <a:fillRef idx="0">
-            <a:schemeClr val="dk1"/>
-          </a:fillRef>
-          <a:effectRef idx="2">
-            <a:schemeClr val="dk1"/>
-          </a:effectRef>
-          <a:fontRef idx="minor">
-            <a:schemeClr val="tx1"/>
-          </a:fontRef>
-        </p:style>
-      </p:cxnSp>
-      <p:cxnSp>
-        <p:nvCxnSpPr>
-          <p:cNvPr id="52" name="Connector: Elbow 33">
-            <a:extLst>
-              <a:ext uri="{FF2B5EF4-FFF2-40B4-BE49-F238E27FC236}">
-                <a16:creationId xmlns:a16="http://schemas.microsoft.com/office/drawing/2014/main" id="{7CA97F14-F492-4BEB-BBD3-58E0FCE098E4}"/>
-              </a:ext>
-            </a:extLst>
-          </p:cNvPr>
-          <p:cNvCxnSpPr>
-            <a:cxnSpLocks/>
-            <a:stCxn id="33" idx="2"/>
-          </p:cNvCxnSpPr>
-          <p:nvPr/>
-        </p:nvCxnSpPr>
-        <p:spPr>
-          <a:xfrm rot="10800000" flipV="1">
-            <a:off x="2681584" y="4479093"/>
-            <a:ext cx="1946244" cy="1306072"/>
-          </a:xfrm>
-          <a:prstGeom prst="bentConnector3">
-            <a:avLst>
-              <a:gd name="adj1" fmla="val 50000"/>
-            </a:avLst>
-          </a:prstGeom>
-          <a:ln>
-            <a:solidFill>
-              <a:schemeClr val="tx1"/>
-            </a:solidFill>
-            <a:tailEnd type="triangle"/>
-          </a:ln>
-        </p:spPr>
-        <p:style>
-          <a:lnRef idx="3">
-            <a:schemeClr val="dk1"/>
-          </a:lnRef>
-          <a:fillRef idx="0">
-            <a:schemeClr val="dk1"/>
-          </a:fillRef>
-          <a:effectRef idx="2">
-            <a:schemeClr val="dk1"/>
-          </a:effectRef>
-          <a:fontRef idx="minor">
-            <a:schemeClr val="tx1"/>
-          </a:fontRef>
-        </p:style>
-      </p:cxnSp>
-      <p:cxnSp>
-        <p:nvCxnSpPr>
-          <p:cNvPr id="55" name="Connector: Elbow 33">
-            <a:extLst>
-              <a:ext uri="{FF2B5EF4-FFF2-40B4-BE49-F238E27FC236}">
-                <a16:creationId xmlns:a16="http://schemas.microsoft.com/office/drawing/2014/main" id="{9B5AA3A2-7CAB-4999-B583-CA2E6DB7F27E}"/>
-              </a:ext>
-            </a:extLst>
-          </p:cNvPr>
-          <p:cNvCxnSpPr>
-            <a:cxnSpLocks/>
-            <a:stCxn id="49" idx="2"/>
-          </p:cNvCxnSpPr>
-          <p:nvPr/>
-        </p:nvCxnSpPr>
-        <p:spPr>
-          <a:xfrm>
-            <a:off x="2681583" y="2041032"/>
-            <a:ext cx="0" cy="4314501"/>
-          </a:xfrm>
-          <a:prstGeom prst="straightConnector1">
-            <a:avLst/>
-          </a:prstGeom>
-          <a:ln>
-            <a:solidFill>
-              <a:schemeClr val="tx1"/>
-            </a:solidFill>
-            <a:tailEnd type="triangle"/>
-          </a:ln>
-        </p:spPr>
-        <p:style>
-          <a:lnRef idx="3">
-            <a:schemeClr val="dk1"/>
-          </a:lnRef>
-          <a:fillRef idx="0">
-            <a:schemeClr val="dk1"/>
-          </a:fillRef>
-          <a:effectRef idx="2">
-            <a:schemeClr val="dk1"/>
-          </a:effectRef>
-          <a:fontRef idx="minor">
-            <a:schemeClr val="tx1"/>
-          </a:fontRef>
-        </p:style>
-      </p:cxnSp>
-    </p:spTree>
-    <p:extLst>
-      <p:ext uri="{BB962C8B-B14F-4D97-AF65-F5344CB8AC3E}">
-        <p14:creationId xmlns:p14="http://schemas.microsoft.com/office/powerpoint/2010/main" val="4037549147"/>
-      </p:ext>
-    </p:extLst>
-  </p:cSld>
-  <p:clrMapOvr>
-    <a:masterClrMapping/>
-  </p:clrMapOvr>
-</p:sld>
-</file>
-
-<file path=ppt/slides/slide11.xml><?xml version="1.0" encoding="utf-8"?>
-<p:sld xmlns:a="http://schemas.openxmlformats.org/drawingml/2006/main" xmlns:r="http://schemas.openxmlformats.org/officeDocument/2006/relationships" xmlns:p="http://schemas.openxmlformats.org/presentationml/2006/main">
-  <p:cSld>
-    <p:spTree>
-      <p:nvGrpSpPr>
-        <p:cNvPr id="1" name=""/>
-        <p:cNvGrpSpPr/>
-        <p:nvPr/>
-      </p:nvGrpSpPr>
-      <p:grpSpPr>
-        <a:xfrm>
-          <a:off x="0" y="0"/>
-          <a:ext cx="0" cy="0"/>
-          <a:chOff x="0" y="0"/>
-          <a:chExt cx="0" cy="0"/>
-        </a:xfrm>
-      </p:grpSpPr>
-      <p:sp>
-        <p:nvSpPr>
-          <p:cNvPr id="2" name="Title 1">
-            <a:extLst>
-              <a:ext uri="{FF2B5EF4-FFF2-40B4-BE49-F238E27FC236}">
                 <a16:creationId xmlns:a16="http://schemas.microsoft.com/office/drawing/2014/main" id="{5731E6BB-0A94-441E-B85E-D7C54CC1D626}"/>
               </a:ext>
             </a:extLst>
@@ -7026,7 +6175,7 @@
 </p:sld>
 </file>
 
-<file path=ppt/slides/slide12.xml><?xml version="1.0" encoding="utf-8"?>
+<file path=ppt/slides/slide11.xml><?xml version="1.0" encoding="utf-8"?>
 <p:sld xmlns:a="http://schemas.openxmlformats.org/drawingml/2006/main" xmlns:r="http://schemas.openxmlformats.org/officeDocument/2006/relationships" xmlns:p="http://schemas.openxmlformats.org/presentationml/2006/main">
   <p:cSld>
     <p:spTree>
@@ -7115,7 +6264,7 @@
 </p:sld>
 </file>
 
-<file path=ppt/slides/slide13.xml><?xml version="1.0" encoding="utf-8"?>
+<file path=ppt/slides/slide12.xml><?xml version="1.0" encoding="utf-8"?>
 <p:sld xmlns:a="http://schemas.openxmlformats.org/drawingml/2006/main" xmlns:r="http://schemas.openxmlformats.org/officeDocument/2006/relationships" xmlns:p="http://schemas.openxmlformats.org/presentationml/2006/main">
   <p:cSld>
     <p:spTree>
@@ -7204,7 +6353,7 @@
 </p:sld>
 </file>
 
-<file path=ppt/slides/slide14.xml><?xml version="1.0" encoding="utf-8"?>
+<file path=ppt/slides/slide13.xml><?xml version="1.0" encoding="utf-8"?>
 <p:sld xmlns:a="http://schemas.openxmlformats.org/drawingml/2006/main" xmlns:r="http://schemas.openxmlformats.org/officeDocument/2006/relationships" xmlns:p="http://schemas.openxmlformats.org/presentationml/2006/main">
   <p:cSld>
     <p:spTree>
@@ -7293,7 +6442,7 @@
 </p:sld>
 </file>
 
-<file path=ppt/slides/slide15.xml><?xml version="1.0" encoding="utf-8"?>
+<file path=ppt/slides/slide14.xml><?xml version="1.0" encoding="utf-8"?>
 <p:sld xmlns:a="http://schemas.openxmlformats.org/drawingml/2006/main" xmlns:r="http://schemas.openxmlformats.org/officeDocument/2006/relationships" xmlns:p="http://schemas.openxmlformats.org/presentationml/2006/main">
   <p:cSld>
     <p:spTree>
@@ -7382,7 +6531,7 @@
 </p:sld>
 </file>
 
-<file path=ppt/slides/slide16.xml><?xml version="1.0" encoding="utf-8"?>
+<file path=ppt/slides/slide15.xml><?xml version="1.0" encoding="utf-8"?>
 <p:sld xmlns:a="http://schemas.openxmlformats.org/drawingml/2006/main" xmlns:r="http://schemas.openxmlformats.org/officeDocument/2006/relationships" xmlns:p="http://schemas.openxmlformats.org/presentationml/2006/main">
   <p:cSld>
     <p:spTree>
@@ -7471,7 +6620,7 @@
 </p:sld>
 </file>
 
-<file path=ppt/slides/slide17.xml><?xml version="1.0" encoding="utf-8"?>
+<file path=ppt/slides/slide16.xml><?xml version="1.0" encoding="utf-8"?>
 <p:sld xmlns:a="http://schemas.openxmlformats.org/drawingml/2006/main" xmlns:r="http://schemas.openxmlformats.org/officeDocument/2006/relationships" xmlns:p="http://schemas.openxmlformats.org/presentationml/2006/main">
   <p:cSld>
     <p:spTree>
@@ -7590,7 +6739,7 @@
 </p:sld>
 </file>
 
-<file path=ppt/slides/slide18.xml><?xml version="1.0" encoding="utf-8"?>
+<file path=ppt/slides/slide17.xml><?xml version="1.0" encoding="utf-8"?>
 <p:sld xmlns:a="http://schemas.openxmlformats.org/drawingml/2006/main" xmlns:r="http://schemas.openxmlformats.org/officeDocument/2006/relationships" xmlns:p="http://schemas.openxmlformats.org/presentationml/2006/main">
   <p:cSld>
     <p:spTree>
@@ -7977,7 +7126,7 @@
 </p:sld>
 </file>
 
-<file path=ppt/slides/slide19.xml><?xml version="1.0" encoding="utf-8"?>
+<file path=ppt/slides/slide18.xml><?xml version="1.0" encoding="utf-8"?>
 <p:sld xmlns:a="http://schemas.openxmlformats.org/drawingml/2006/main" xmlns:r="http://schemas.openxmlformats.org/officeDocument/2006/relationships" xmlns:p="http://schemas.openxmlformats.org/presentationml/2006/main">
   <p:cSld>
     <p:spTree>
@@ -8153,114 +7302,6 @@
           <p:cNvPr id="2" name="Title 1">
             <a:extLst>
               <a:ext uri="{FF2B5EF4-FFF2-40B4-BE49-F238E27FC236}">
-                <a16:creationId xmlns:a16="http://schemas.microsoft.com/office/drawing/2014/main" id="{68A70DC0-9A80-46B6-8945-EAF3B6941F5C}"/>
-              </a:ext>
-            </a:extLst>
-          </p:cNvPr>
-          <p:cNvSpPr>
-            <a:spLocks noGrp="1"/>
-          </p:cNvSpPr>
-          <p:nvPr>
-            <p:ph type="title"/>
-          </p:nvPr>
-        </p:nvSpPr>
-        <p:spPr/>
-        <p:txBody>
-          <a:bodyPr/>
-          <a:lstStyle/>
-          <a:p>
-            <a:pPr algn="ctr"/>
-            <a:r>
-              <a:rPr lang="en-US" dirty="0"/>
-              <a:t>Overview</a:t>
-            </a:r>
-          </a:p>
-        </p:txBody>
-      </p:sp>
-      <p:sp>
-        <p:nvSpPr>
-          <p:cNvPr id="3" name="Content Placeholder 2">
-            <a:extLst>
-              <a:ext uri="{FF2B5EF4-FFF2-40B4-BE49-F238E27FC236}">
-                <a16:creationId xmlns:a16="http://schemas.microsoft.com/office/drawing/2014/main" id="{49505872-ACD6-471F-8E1F-9F5F6FB277EB}"/>
-              </a:ext>
-            </a:extLst>
-          </p:cNvPr>
-          <p:cNvSpPr>
-            <a:spLocks noGrp="1"/>
-          </p:cNvSpPr>
-          <p:nvPr>
-            <p:ph idx="1"/>
-          </p:nvPr>
-        </p:nvSpPr>
-        <p:spPr/>
-        <p:txBody>
-          <a:bodyPr/>
-          <a:lstStyle/>
-          <a:p>
-            <a:r>
-              <a:rPr lang="en-US" dirty="0"/>
-              <a:t>Can machine learning differentiate between a compound and drug?</a:t>
-            </a:r>
-          </a:p>
-          <a:p>
-            <a:endParaRPr lang="en-US" dirty="0"/>
-          </a:p>
-          <a:p>
-            <a:r>
-              <a:rPr lang="en-US" dirty="0"/>
-              <a:t>Introduction and history of drug development</a:t>
-            </a:r>
-          </a:p>
-          <a:p>
-            <a:r>
-              <a:rPr lang="en-US" dirty="0"/>
-              <a:t>Methodology; Machine learning approaches</a:t>
-            </a:r>
-          </a:p>
-          <a:p>
-            <a:r>
-              <a:rPr lang="en-US" dirty="0"/>
-              <a:t>Results and conclusions</a:t>
-            </a:r>
-          </a:p>
-        </p:txBody>
-      </p:sp>
-    </p:spTree>
-    <p:extLst>
-      <p:ext uri="{BB962C8B-B14F-4D97-AF65-F5344CB8AC3E}">
-        <p14:creationId xmlns:p14="http://schemas.microsoft.com/office/powerpoint/2010/main" val="111007077"/>
-      </p:ext>
-    </p:extLst>
-  </p:cSld>
-  <p:clrMapOvr>
-    <a:masterClrMapping/>
-  </p:clrMapOvr>
-</p:sld>
-</file>
-
-<file path=ppt/slides/slide3.xml><?xml version="1.0" encoding="utf-8"?>
-<p:sld xmlns:a="http://schemas.openxmlformats.org/drawingml/2006/main" xmlns:r="http://schemas.openxmlformats.org/officeDocument/2006/relationships" xmlns:p="http://schemas.openxmlformats.org/presentationml/2006/main">
-  <p:cSld>
-    <p:spTree>
-      <p:nvGrpSpPr>
-        <p:cNvPr id="1" name=""/>
-        <p:cNvGrpSpPr/>
-        <p:nvPr/>
-      </p:nvGrpSpPr>
-      <p:grpSpPr>
-        <a:xfrm>
-          <a:off x="0" y="0"/>
-          <a:ext cx="0" cy="0"/>
-          <a:chOff x="0" y="0"/>
-          <a:chExt cx="0" cy="0"/>
-        </a:xfrm>
-      </p:grpSpPr>
-      <p:sp>
-        <p:nvSpPr>
-          <p:cNvPr id="2" name="Title 1">
-            <a:extLst>
-              <a:ext uri="{FF2B5EF4-FFF2-40B4-BE49-F238E27FC236}">
                 <a16:creationId xmlns:a16="http://schemas.microsoft.com/office/drawing/2014/main" id="{643B52F9-A099-431D-A1AA-8BE36BF24D5A}"/>
               </a:ext>
             </a:extLst>
@@ -8443,7 +7484,7 @@
 </p:sld>
 </file>
 
-<file path=ppt/slides/slide4.xml><?xml version="1.0" encoding="utf-8"?>
+<file path=ppt/slides/slide3.xml><?xml version="1.0" encoding="utf-8"?>
 <p:sld xmlns:a="http://schemas.openxmlformats.org/drawingml/2006/main" xmlns:r="http://schemas.openxmlformats.org/officeDocument/2006/relationships" xmlns:p="http://schemas.openxmlformats.org/presentationml/2006/main">
   <p:cSld>
     <p:spTree>
@@ -8826,6 +7867,142 @@
 </p:sld>
 </file>
 
+<file path=ppt/slides/slide4.xml><?xml version="1.0" encoding="utf-8"?>
+<p:sld xmlns:a="http://schemas.openxmlformats.org/drawingml/2006/main" xmlns:r="http://schemas.openxmlformats.org/officeDocument/2006/relationships" xmlns:p="http://schemas.openxmlformats.org/presentationml/2006/main">
+  <p:cSld>
+    <p:spTree>
+      <p:nvGrpSpPr>
+        <p:cNvPr id="1" name=""/>
+        <p:cNvGrpSpPr/>
+        <p:nvPr/>
+      </p:nvGrpSpPr>
+      <p:grpSpPr>
+        <a:xfrm>
+          <a:off x="0" y="0"/>
+          <a:ext cx="0" cy="0"/>
+          <a:chOff x="0" y="0"/>
+          <a:chExt cx="0" cy="0"/>
+        </a:xfrm>
+      </p:grpSpPr>
+      <p:sp>
+        <p:nvSpPr>
+          <p:cNvPr id="2" name="Title 1">
+            <a:extLst>
+              <a:ext uri="{FF2B5EF4-FFF2-40B4-BE49-F238E27FC236}">
+                <a16:creationId xmlns:a16="http://schemas.microsoft.com/office/drawing/2014/main" id="{64410714-5954-4127-B581-4DCC4340C67B}"/>
+              </a:ext>
+            </a:extLst>
+          </p:cNvPr>
+          <p:cNvSpPr>
+            <a:spLocks noGrp="1"/>
+          </p:cNvSpPr>
+          <p:nvPr>
+            <p:ph type="title"/>
+          </p:nvPr>
+        </p:nvSpPr>
+        <p:spPr/>
+        <p:txBody>
+          <a:bodyPr/>
+          <a:lstStyle/>
+          <a:p>
+            <a:pPr algn="ctr"/>
+            <a:r>
+              <a:rPr lang="en-US" dirty="0"/>
+              <a:t>Applying Machine Learning to Drug Discovery </a:t>
+            </a:r>
+          </a:p>
+        </p:txBody>
+      </p:sp>
+      <p:sp>
+        <p:nvSpPr>
+          <p:cNvPr id="3" name="Content Placeholder 2">
+            <a:extLst>
+              <a:ext uri="{FF2B5EF4-FFF2-40B4-BE49-F238E27FC236}">
+                <a16:creationId xmlns:a16="http://schemas.microsoft.com/office/drawing/2014/main" id="{6CA1DAFA-1DCB-4F69-8B6D-99310C93BC09}"/>
+              </a:ext>
+            </a:extLst>
+          </p:cNvPr>
+          <p:cNvSpPr>
+            <a:spLocks noGrp="1"/>
+          </p:cNvSpPr>
+          <p:nvPr>
+            <p:ph idx="1"/>
+          </p:nvPr>
+        </p:nvSpPr>
+        <p:spPr/>
+        <p:txBody>
+          <a:bodyPr>
+            <a:normAutofit/>
+          </a:bodyPr>
+          <a:lstStyle/>
+          <a:p>
+            <a:r>
+              <a:rPr lang="en-US" dirty="0"/>
+              <a:t>Machine learning applications</a:t>
+            </a:r>
+          </a:p>
+          <a:p>
+            <a:pPr lvl="1"/>
+            <a:r>
+              <a:rPr lang="en-US" dirty="0"/>
+              <a:t>Predicting ADMET properties</a:t>
+            </a:r>
+          </a:p>
+          <a:p>
+            <a:pPr lvl="1"/>
+            <a:r>
+              <a:rPr lang="en-US" dirty="0"/>
+              <a:t>Ligand-based visual screening</a:t>
+            </a:r>
+          </a:p>
+          <a:p>
+            <a:pPr lvl="2"/>
+            <a:r>
+              <a:rPr lang="en-US" dirty="0"/>
+              <a:t>Match a drug to some query out of a database of compounds</a:t>
+            </a:r>
+          </a:p>
+          <a:p>
+            <a:pPr lvl="2"/>
+            <a:r>
+              <a:rPr lang="en-US" dirty="0"/>
+              <a:t>Support Vector Machines and Random Forest</a:t>
+            </a:r>
+          </a:p>
+          <a:p>
+            <a:r>
+              <a:rPr lang="en-US" dirty="0"/>
+              <a:t>Deep learning</a:t>
+            </a:r>
+          </a:p>
+          <a:p>
+            <a:pPr lvl="1"/>
+            <a:r>
+              <a:rPr lang="en-US" dirty="0"/>
+              <a:t>Drug data is limited: development and testing is long and costly</a:t>
+            </a:r>
+          </a:p>
+          <a:p>
+            <a:r>
+              <a:rPr lang="en-US" dirty="0"/>
+              <a:t>Recent experimentation with one-shot learning</a:t>
+            </a:r>
+          </a:p>
+        </p:txBody>
+      </p:sp>
+    </p:spTree>
+    <p:extLst>
+      <p:ext uri="{BB962C8B-B14F-4D97-AF65-F5344CB8AC3E}">
+        <p14:creationId xmlns:p14="http://schemas.microsoft.com/office/powerpoint/2010/main" val="2953821179"/>
+      </p:ext>
+    </p:extLst>
+  </p:cSld>
+  <p:clrMapOvr>
+    <a:masterClrMapping/>
+  </p:clrMapOvr>
+</p:sld>
+</file>
+
 <file path=ppt/slides/slide5.xml><?xml version="1.0" encoding="utf-8"?>
 <p:sld xmlns:a="http://schemas.openxmlformats.org/drawingml/2006/main" xmlns:r="http://schemas.openxmlformats.org/officeDocument/2006/relationships" xmlns:p="http://schemas.openxmlformats.org/presentationml/2006/main">
   <p:cSld>
@@ -8848,142 +8025,6 @@
           <p:cNvPr id="2" name="Title 1">
             <a:extLst>
               <a:ext uri="{FF2B5EF4-FFF2-40B4-BE49-F238E27FC236}">
-                <a16:creationId xmlns:a16="http://schemas.microsoft.com/office/drawing/2014/main" id="{64410714-5954-4127-B581-4DCC4340C67B}"/>
-              </a:ext>
-            </a:extLst>
-          </p:cNvPr>
-          <p:cNvSpPr>
-            <a:spLocks noGrp="1"/>
-          </p:cNvSpPr>
-          <p:nvPr>
-            <p:ph type="title"/>
-          </p:nvPr>
-        </p:nvSpPr>
-        <p:spPr/>
-        <p:txBody>
-          <a:bodyPr/>
-          <a:lstStyle/>
-          <a:p>
-            <a:pPr algn="ctr"/>
-            <a:r>
-              <a:rPr lang="en-US" dirty="0"/>
-              <a:t>Applying Machine Learning to Drug Discovery </a:t>
-            </a:r>
-          </a:p>
-        </p:txBody>
-      </p:sp>
-      <p:sp>
-        <p:nvSpPr>
-          <p:cNvPr id="3" name="Content Placeholder 2">
-            <a:extLst>
-              <a:ext uri="{FF2B5EF4-FFF2-40B4-BE49-F238E27FC236}">
-                <a16:creationId xmlns:a16="http://schemas.microsoft.com/office/drawing/2014/main" id="{6CA1DAFA-1DCB-4F69-8B6D-99310C93BC09}"/>
-              </a:ext>
-            </a:extLst>
-          </p:cNvPr>
-          <p:cNvSpPr>
-            <a:spLocks noGrp="1"/>
-          </p:cNvSpPr>
-          <p:nvPr>
-            <p:ph idx="1"/>
-          </p:nvPr>
-        </p:nvSpPr>
-        <p:spPr/>
-        <p:txBody>
-          <a:bodyPr>
-            <a:normAutofit/>
-          </a:bodyPr>
-          <a:lstStyle/>
-          <a:p>
-            <a:r>
-              <a:rPr lang="en-US" dirty="0"/>
-              <a:t>Machine learning applications</a:t>
-            </a:r>
-          </a:p>
-          <a:p>
-            <a:pPr lvl="1"/>
-            <a:r>
-              <a:rPr lang="en-US" dirty="0"/>
-              <a:t>Predicting ADMET properties</a:t>
-            </a:r>
-          </a:p>
-          <a:p>
-            <a:pPr lvl="1"/>
-            <a:r>
-              <a:rPr lang="en-US" dirty="0"/>
-              <a:t>Ligand-based visual screening</a:t>
-            </a:r>
-          </a:p>
-          <a:p>
-            <a:pPr lvl="2"/>
-            <a:r>
-              <a:rPr lang="en-US" dirty="0"/>
-              <a:t>Match a drug to some query out of a database of compounds</a:t>
-            </a:r>
-          </a:p>
-          <a:p>
-            <a:pPr lvl="2"/>
-            <a:r>
-              <a:rPr lang="en-US" dirty="0"/>
-              <a:t>Support Vector Machines and Random Forest</a:t>
-            </a:r>
-          </a:p>
-          <a:p>
-            <a:r>
-              <a:rPr lang="en-US" dirty="0"/>
-              <a:t>Deep learning</a:t>
-            </a:r>
-          </a:p>
-          <a:p>
-            <a:pPr lvl="1"/>
-            <a:r>
-              <a:rPr lang="en-US" dirty="0"/>
-              <a:t>Drug data is limited: development and testing is long and costly</a:t>
-            </a:r>
-          </a:p>
-          <a:p>
-            <a:r>
-              <a:rPr lang="en-US" dirty="0"/>
-              <a:t>Recent experimentation with one-shot learning</a:t>
-            </a:r>
-          </a:p>
-        </p:txBody>
-      </p:sp>
-    </p:spTree>
-    <p:extLst>
-      <p:ext uri="{BB962C8B-B14F-4D97-AF65-F5344CB8AC3E}">
-        <p14:creationId xmlns:p14="http://schemas.microsoft.com/office/powerpoint/2010/main" val="2953821179"/>
-      </p:ext>
-    </p:extLst>
-  </p:cSld>
-  <p:clrMapOvr>
-    <a:masterClrMapping/>
-  </p:clrMapOvr>
-</p:sld>
-</file>
-
-<file path=ppt/slides/slide6.xml><?xml version="1.0" encoding="utf-8"?>
-<p:sld xmlns:a="http://schemas.openxmlformats.org/drawingml/2006/main" xmlns:r="http://schemas.openxmlformats.org/officeDocument/2006/relationships" xmlns:p="http://schemas.openxmlformats.org/presentationml/2006/main">
-  <p:cSld>
-    <p:spTree>
-      <p:nvGrpSpPr>
-        <p:cNvPr id="1" name=""/>
-        <p:cNvGrpSpPr/>
-        <p:nvPr/>
-      </p:nvGrpSpPr>
-      <p:grpSpPr>
-        <a:xfrm>
-          <a:off x="0" y="0"/>
-          <a:ext cx="0" cy="0"/>
-          <a:chOff x="0" y="0"/>
-          <a:chExt cx="0" cy="0"/>
-        </a:xfrm>
-      </p:grpSpPr>
-      <p:sp>
-        <p:nvSpPr>
-          <p:cNvPr id="2" name="Title 1">
-            <a:extLst>
-              <a:ext uri="{FF2B5EF4-FFF2-40B4-BE49-F238E27FC236}">
                 <a16:creationId xmlns:a16="http://schemas.microsoft.com/office/drawing/2014/main" id="{C977562D-F66B-4D75-9D59-DDA5F9508FD0}"/>
               </a:ext>
             </a:extLst>
@@ -9110,7 +8151,7 @@
 </p:sld>
 </file>
 
-<file path=ppt/slides/slide7.xml><?xml version="1.0" encoding="utf-8"?>
+<file path=ppt/slides/slide6.xml><?xml version="1.0" encoding="utf-8"?>
 <p:sld xmlns:a="http://schemas.openxmlformats.org/drawingml/2006/main" xmlns:r="http://schemas.openxmlformats.org/officeDocument/2006/relationships" xmlns:p="http://schemas.openxmlformats.org/presentationml/2006/main">
   <p:cSld>
     <p:spTree>
@@ -9793,7 +8834,7 @@
 </p:sld>
 </file>
 
-<file path=ppt/slides/slide8.xml><?xml version="1.0" encoding="utf-8"?>
+<file path=ppt/slides/slide7.xml><?xml version="1.0" encoding="utf-8"?>
 <p:sld xmlns:a="http://schemas.openxmlformats.org/drawingml/2006/main" xmlns:r="http://schemas.openxmlformats.org/officeDocument/2006/relationships" xmlns:p="http://schemas.openxmlformats.org/presentationml/2006/main">
   <p:cSld>
     <p:spTree>
@@ -10610,7 +9651,7 @@
 </p:sld>
 </file>
 
-<file path=ppt/slides/slide9.xml><?xml version="1.0" encoding="utf-8"?>
+<file path=ppt/slides/slide8.xml><?xml version="1.0" encoding="utf-8"?>
 <p:sld xmlns:a="http://schemas.openxmlformats.org/drawingml/2006/main" xmlns:r="http://schemas.openxmlformats.org/officeDocument/2006/relationships" xmlns:p="http://schemas.openxmlformats.org/presentationml/2006/main">
   <p:cSld>
     <p:spTree>
@@ -12003,6 +11044,802 @@
     <p:extLst>
       <p:ext uri="{BB962C8B-B14F-4D97-AF65-F5344CB8AC3E}">
         <p14:creationId xmlns:p14="http://schemas.microsoft.com/office/powerpoint/2010/main" val="2225030891"/>
+      </p:ext>
+    </p:extLst>
+  </p:cSld>
+  <p:clrMapOvr>
+    <a:masterClrMapping/>
+  </p:clrMapOvr>
+</p:sld>
+</file>
+
+<file path=ppt/slides/slide9.xml><?xml version="1.0" encoding="utf-8"?>
+<p:sld xmlns:a="http://schemas.openxmlformats.org/drawingml/2006/main" xmlns:r="http://schemas.openxmlformats.org/officeDocument/2006/relationships" xmlns:p="http://schemas.openxmlformats.org/presentationml/2006/main">
+  <p:cSld>
+    <p:spTree>
+      <p:nvGrpSpPr>
+        <p:cNvPr id="1" name=""/>
+        <p:cNvGrpSpPr/>
+        <p:nvPr/>
+      </p:nvGrpSpPr>
+      <p:grpSpPr>
+        <a:xfrm>
+          <a:off x="0" y="0"/>
+          <a:ext cx="0" cy="0"/>
+          <a:chOff x="0" y="0"/>
+          <a:chExt cx="0" cy="0"/>
+        </a:xfrm>
+      </p:grpSpPr>
+      <p:sp>
+        <p:nvSpPr>
+          <p:cNvPr id="2" name="Title 1">
+            <a:extLst>
+              <a:ext uri="{FF2B5EF4-FFF2-40B4-BE49-F238E27FC236}">
+                <a16:creationId xmlns:a16="http://schemas.microsoft.com/office/drawing/2014/main" id="{FC460CF4-B563-4388-B239-A5060BC56311}"/>
+              </a:ext>
+            </a:extLst>
+          </p:cNvPr>
+          <p:cNvSpPr>
+            <a:spLocks noGrp="1"/>
+          </p:cNvSpPr>
+          <p:nvPr>
+            <p:ph type="title"/>
+          </p:nvPr>
+        </p:nvSpPr>
+        <p:spPr>
+          <a:xfrm>
+            <a:off x="838200" y="365125"/>
+            <a:ext cx="10515600" cy="1325563"/>
+          </a:xfrm>
+        </p:spPr>
+        <p:txBody>
+          <a:bodyPr/>
+          <a:lstStyle/>
+          <a:p>
+            <a:pPr algn="ctr"/>
+            <a:r>
+              <a:rPr lang="en-US" dirty="0"/>
+              <a:t>Methodology and Workflow</a:t>
+            </a:r>
+          </a:p>
+        </p:txBody>
+      </p:sp>
+      <p:sp>
+        <p:nvSpPr>
+          <p:cNvPr id="49" name="Rectangle 48">
+            <a:extLst>
+              <a:ext uri="{FF2B5EF4-FFF2-40B4-BE49-F238E27FC236}">
+                <a16:creationId xmlns:a16="http://schemas.microsoft.com/office/drawing/2014/main" id="{D21257C9-8748-4F02-BF1C-BA6003D0F08F}"/>
+              </a:ext>
+            </a:extLst>
+          </p:cNvPr>
+          <p:cNvSpPr/>
+          <p:nvPr/>
+        </p:nvSpPr>
+        <p:spPr>
+          <a:xfrm>
+            <a:off x="2100159" y="1615815"/>
+            <a:ext cx="1162848" cy="425217"/>
+          </a:xfrm>
+          <a:prstGeom prst="rect">
+            <a:avLst/>
+          </a:prstGeom>
+          <a:solidFill>
+            <a:schemeClr val="accent1">
+              <a:lumMod val="60000"/>
+              <a:lumOff val="40000"/>
+            </a:schemeClr>
+          </a:solidFill>
+          <a:ln>
+            <a:solidFill>
+              <a:schemeClr val="tx1"/>
+            </a:solidFill>
+          </a:ln>
+        </p:spPr>
+        <p:style>
+          <a:lnRef idx="2">
+            <a:schemeClr val="accent5">
+              <a:shade val="50000"/>
+            </a:schemeClr>
+          </a:lnRef>
+          <a:fillRef idx="1">
+            <a:schemeClr val="accent5"/>
+          </a:fillRef>
+          <a:effectRef idx="0">
+            <a:schemeClr val="accent5"/>
+          </a:effectRef>
+          <a:fontRef idx="minor">
+            <a:schemeClr val="lt1"/>
+          </a:fontRef>
+        </p:style>
+        <p:txBody>
+          <a:bodyPr rtlCol="0" anchor="ctr"/>
+          <a:lstStyle/>
+          <a:p>
+            <a:pPr algn="ctr"/>
+            <a:r>
+              <a:rPr lang="en-US" dirty="0"/>
+              <a:t>Test</a:t>
+            </a:r>
+          </a:p>
+        </p:txBody>
+      </p:sp>
+      <p:sp>
+        <p:nvSpPr>
+          <p:cNvPr id="50" name="Rectangle 49">
+            <a:extLst>
+              <a:ext uri="{FF2B5EF4-FFF2-40B4-BE49-F238E27FC236}">
+                <a16:creationId xmlns:a16="http://schemas.microsoft.com/office/drawing/2014/main" id="{3810DDCC-CE70-4553-B5D3-BD10BEE4D740}"/>
+              </a:ext>
+            </a:extLst>
+          </p:cNvPr>
+          <p:cNvSpPr/>
+          <p:nvPr/>
+        </p:nvSpPr>
+        <p:spPr>
+          <a:xfrm>
+            <a:off x="5514576" y="1614483"/>
+            <a:ext cx="1162847" cy="427783"/>
+          </a:xfrm>
+          <a:prstGeom prst="rect">
+            <a:avLst/>
+          </a:prstGeom>
+          <a:solidFill>
+            <a:schemeClr val="accent1">
+              <a:lumMod val="75000"/>
+            </a:schemeClr>
+          </a:solidFill>
+          <a:ln>
+            <a:solidFill>
+              <a:schemeClr val="tx1"/>
+            </a:solidFill>
+          </a:ln>
+        </p:spPr>
+        <p:style>
+          <a:lnRef idx="2">
+            <a:schemeClr val="accent5">
+              <a:shade val="50000"/>
+            </a:schemeClr>
+          </a:lnRef>
+          <a:fillRef idx="1">
+            <a:schemeClr val="accent5"/>
+          </a:fillRef>
+          <a:effectRef idx="0">
+            <a:schemeClr val="accent5"/>
+          </a:effectRef>
+          <a:fontRef idx="minor">
+            <a:schemeClr val="lt1"/>
+          </a:fontRef>
+        </p:style>
+        <p:txBody>
+          <a:bodyPr rtlCol="0" anchor="ctr"/>
+          <a:lstStyle/>
+          <a:p>
+            <a:pPr algn="ctr"/>
+            <a:r>
+              <a:rPr lang="en-US" dirty="0"/>
+              <a:t>Train</a:t>
+            </a:r>
+          </a:p>
+        </p:txBody>
+      </p:sp>
+      <p:sp>
+        <p:nvSpPr>
+          <p:cNvPr id="31" name="Rectangle: Top Corners Snipped 30">
+            <a:extLst>
+              <a:ext uri="{FF2B5EF4-FFF2-40B4-BE49-F238E27FC236}">
+                <a16:creationId xmlns:a16="http://schemas.microsoft.com/office/drawing/2014/main" id="{8479EEAD-574E-4F27-A718-81C77BA64275}"/>
+              </a:ext>
+            </a:extLst>
+          </p:cNvPr>
+          <p:cNvSpPr/>
+          <p:nvPr/>
+        </p:nvSpPr>
+        <p:spPr>
+          <a:xfrm>
+            <a:off x="4627829" y="2313123"/>
+            <a:ext cx="2936342" cy="642796"/>
+          </a:xfrm>
+          <a:prstGeom prst="snip2SameRect">
+            <a:avLst>
+              <a:gd name="adj1" fmla="val 50000"/>
+              <a:gd name="adj2" fmla="val 50000"/>
+            </a:avLst>
+          </a:prstGeom>
+          <a:solidFill>
+            <a:srgbClr val="7030A0"/>
+          </a:solidFill>
+          <a:ln>
+            <a:solidFill>
+              <a:schemeClr val="tx1"/>
+            </a:solidFill>
+          </a:ln>
+        </p:spPr>
+        <p:style>
+          <a:lnRef idx="2">
+            <a:schemeClr val="accent3">
+              <a:shade val="50000"/>
+            </a:schemeClr>
+          </a:lnRef>
+          <a:fillRef idx="1">
+            <a:schemeClr val="accent3"/>
+          </a:fillRef>
+          <a:effectRef idx="0">
+            <a:schemeClr val="accent3"/>
+          </a:effectRef>
+          <a:fontRef idx="minor">
+            <a:schemeClr val="lt1"/>
+          </a:fontRef>
+        </p:style>
+        <p:txBody>
+          <a:bodyPr rtlCol="0" anchor="ctr"/>
+          <a:lstStyle/>
+          <a:p>
+            <a:pPr algn="ctr"/>
+            <a:r>
+              <a:rPr lang="en-US" dirty="0"/>
+              <a:t> Mean centered and normalized in variance</a:t>
+            </a:r>
+          </a:p>
+        </p:txBody>
+      </p:sp>
+      <p:sp>
+        <p:nvSpPr>
+          <p:cNvPr id="32" name="Rectangle: Top Corners Snipped 31">
+            <a:extLst>
+              <a:ext uri="{FF2B5EF4-FFF2-40B4-BE49-F238E27FC236}">
+                <a16:creationId xmlns:a16="http://schemas.microsoft.com/office/drawing/2014/main" id="{3D5BC7D3-9CD4-4DC4-9392-A3F5B1B82B32}"/>
+              </a:ext>
+            </a:extLst>
+          </p:cNvPr>
+          <p:cNvSpPr/>
+          <p:nvPr/>
+        </p:nvSpPr>
+        <p:spPr>
+          <a:xfrm>
+            <a:off x="4627828" y="3235767"/>
+            <a:ext cx="2936342" cy="642796"/>
+          </a:xfrm>
+          <a:prstGeom prst="snip2SameRect">
+            <a:avLst>
+              <a:gd name="adj1" fmla="val 50000"/>
+              <a:gd name="adj2" fmla="val 50000"/>
+            </a:avLst>
+          </a:prstGeom>
+          <a:solidFill>
+            <a:srgbClr val="7030A0"/>
+          </a:solidFill>
+          <a:ln>
+            <a:solidFill>
+              <a:schemeClr val="tx1"/>
+            </a:solidFill>
+          </a:ln>
+        </p:spPr>
+        <p:style>
+          <a:lnRef idx="2">
+            <a:schemeClr val="accent3">
+              <a:shade val="50000"/>
+            </a:schemeClr>
+          </a:lnRef>
+          <a:fillRef idx="1">
+            <a:schemeClr val="accent3"/>
+          </a:fillRef>
+          <a:effectRef idx="0">
+            <a:schemeClr val="accent3"/>
+          </a:effectRef>
+          <a:fontRef idx="minor">
+            <a:schemeClr val="lt1"/>
+          </a:fontRef>
+        </p:style>
+        <p:txBody>
+          <a:bodyPr rtlCol="0" anchor="ctr"/>
+          <a:lstStyle/>
+          <a:p>
+            <a:pPr algn="ctr"/>
+            <a:r>
+              <a:rPr lang="en-US" dirty="0"/>
+              <a:t> Projected to less dimensions using PCA</a:t>
+            </a:r>
+          </a:p>
+        </p:txBody>
+      </p:sp>
+      <p:sp>
+        <p:nvSpPr>
+          <p:cNvPr id="33" name="Rectangle: Top Corners Rounded 32">
+            <a:extLst>
+              <a:ext uri="{FF2B5EF4-FFF2-40B4-BE49-F238E27FC236}">
+                <a16:creationId xmlns:a16="http://schemas.microsoft.com/office/drawing/2014/main" id="{FD04952C-D08A-4EF6-A817-DE95B0DCA0B0}"/>
+              </a:ext>
+            </a:extLst>
+          </p:cNvPr>
+          <p:cNvSpPr/>
+          <p:nvPr/>
+        </p:nvSpPr>
+        <p:spPr>
+          <a:xfrm>
+            <a:off x="4627828" y="4157695"/>
+            <a:ext cx="2936342" cy="642796"/>
+          </a:xfrm>
+          <a:prstGeom prst="round2SameRect">
+            <a:avLst>
+              <a:gd name="adj1" fmla="val 50000"/>
+              <a:gd name="adj2" fmla="val 0"/>
+            </a:avLst>
+          </a:prstGeom>
+          <a:solidFill>
+            <a:schemeClr val="accent6">
+              <a:lumMod val="75000"/>
+            </a:schemeClr>
+          </a:solidFill>
+          <a:ln>
+            <a:solidFill>
+              <a:schemeClr val="tx1"/>
+            </a:solidFill>
+          </a:ln>
+        </p:spPr>
+        <p:style>
+          <a:lnRef idx="2">
+            <a:schemeClr val="accent3">
+              <a:shade val="50000"/>
+            </a:schemeClr>
+          </a:lnRef>
+          <a:fillRef idx="1">
+            <a:schemeClr val="accent3"/>
+          </a:fillRef>
+          <a:effectRef idx="0">
+            <a:schemeClr val="accent3"/>
+          </a:effectRef>
+          <a:fontRef idx="minor">
+            <a:schemeClr val="lt1"/>
+          </a:fontRef>
+        </p:style>
+        <p:txBody>
+          <a:bodyPr rtlCol="0" anchor="ctr"/>
+          <a:lstStyle/>
+          <a:p>
+            <a:pPr algn="ctr"/>
+            <a:r>
+              <a:rPr lang="en-US" dirty="0"/>
+              <a:t>Hyperparameter Optimization</a:t>
+            </a:r>
+          </a:p>
+        </p:txBody>
+      </p:sp>
+      <p:sp>
+        <p:nvSpPr>
+          <p:cNvPr id="3" name="Rectangle: Rounded Corners 2">
+            <a:extLst>
+              <a:ext uri="{FF2B5EF4-FFF2-40B4-BE49-F238E27FC236}">
+                <a16:creationId xmlns:a16="http://schemas.microsoft.com/office/drawing/2014/main" id="{D985B0C9-2198-4C3C-9341-39D56D114A9B}"/>
+              </a:ext>
+            </a:extLst>
+          </p:cNvPr>
+          <p:cNvSpPr/>
+          <p:nvPr/>
+        </p:nvSpPr>
+        <p:spPr>
+          <a:xfrm>
+            <a:off x="4627827" y="4794439"/>
+            <a:ext cx="1468171" cy="552261"/>
+          </a:xfrm>
+          <a:prstGeom prst="roundRect">
+            <a:avLst>
+              <a:gd name="adj" fmla="val 0"/>
+            </a:avLst>
+          </a:prstGeom>
+          <a:solidFill>
+            <a:schemeClr val="accent2">
+              <a:lumMod val="75000"/>
+            </a:schemeClr>
+          </a:solidFill>
+          <a:ln>
+            <a:solidFill>
+              <a:schemeClr val="tx1"/>
+            </a:solidFill>
+          </a:ln>
+        </p:spPr>
+        <p:style>
+          <a:lnRef idx="2">
+            <a:schemeClr val="accent1">
+              <a:shade val="50000"/>
+            </a:schemeClr>
+          </a:lnRef>
+          <a:fillRef idx="1">
+            <a:schemeClr val="accent1"/>
+          </a:fillRef>
+          <a:effectRef idx="0">
+            <a:schemeClr val="accent1"/>
+          </a:effectRef>
+          <a:fontRef idx="minor">
+            <a:schemeClr val="lt1"/>
+          </a:fontRef>
+        </p:style>
+        <p:txBody>
+          <a:bodyPr rtlCol="0" anchor="ctr"/>
+          <a:lstStyle/>
+          <a:p>
+            <a:pPr algn="ctr"/>
+            <a:r>
+              <a:rPr lang="en-US" dirty="0"/>
+              <a:t>Validation</a:t>
+            </a:r>
+          </a:p>
+        </p:txBody>
+      </p:sp>
+      <p:sp>
+        <p:nvSpPr>
+          <p:cNvPr id="34" name="Rectangle: Rounded Corners 33">
+            <a:extLst>
+              <a:ext uri="{FF2B5EF4-FFF2-40B4-BE49-F238E27FC236}">
+                <a16:creationId xmlns:a16="http://schemas.microsoft.com/office/drawing/2014/main" id="{EF9D18F9-7CFF-4CC2-83AC-DD56DB6835A2}"/>
+              </a:ext>
+            </a:extLst>
+          </p:cNvPr>
+          <p:cNvSpPr/>
+          <p:nvPr/>
+        </p:nvSpPr>
+        <p:spPr>
+          <a:xfrm>
+            <a:off x="6095999" y="4794439"/>
+            <a:ext cx="1468171" cy="552261"/>
+          </a:xfrm>
+          <a:prstGeom prst="roundRect">
+            <a:avLst>
+              <a:gd name="adj" fmla="val 0"/>
+            </a:avLst>
+          </a:prstGeom>
+          <a:solidFill>
+            <a:schemeClr val="accent1">
+              <a:lumMod val="75000"/>
+            </a:schemeClr>
+          </a:solidFill>
+          <a:ln>
+            <a:solidFill>
+              <a:schemeClr val="tx1"/>
+            </a:solidFill>
+          </a:ln>
+        </p:spPr>
+        <p:style>
+          <a:lnRef idx="2">
+            <a:schemeClr val="accent1">
+              <a:shade val="50000"/>
+            </a:schemeClr>
+          </a:lnRef>
+          <a:fillRef idx="1">
+            <a:schemeClr val="accent1"/>
+          </a:fillRef>
+          <a:effectRef idx="0">
+            <a:schemeClr val="accent1"/>
+          </a:effectRef>
+          <a:fontRef idx="minor">
+            <a:schemeClr val="lt1"/>
+          </a:fontRef>
+        </p:style>
+        <p:txBody>
+          <a:bodyPr rtlCol="0" anchor="ctr"/>
+          <a:lstStyle/>
+          <a:p>
+            <a:pPr algn="ctr"/>
+            <a:r>
+              <a:rPr lang="en-US" dirty="0"/>
+              <a:t>Train</a:t>
+            </a:r>
+          </a:p>
+        </p:txBody>
+      </p:sp>
+      <p:sp>
+        <p:nvSpPr>
+          <p:cNvPr id="4" name="Right Bracket 3">
+            <a:extLst>
+              <a:ext uri="{FF2B5EF4-FFF2-40B4-BE49-F238E27FC236}">
+                <a16:creationId xmlns:a16="http://schemas.microsoft.com/office/drawing/2014/main" id="{4EF00CD6-B03C-47CC-9790-0E058A21FA9F}"/>
+              </a:ext>
+            </a:extLst>
+          </p:cNvPr>
+          <p:cNvSpPr/>
+          <p:nvPr/>
+        </p:nvSpPr>
+        <p:spPr>
+          <a:xfrm>
+            <a:off x="7432913" y="4092167"/>
+            <a:ext cx="301763" cy="1391092"/>
+          </a:xfrm>
+          <a:prstGeom prst="rightBracket">
+            <a:avLst/>
+          </a:prstGeom>
+        </p:spPr>
+        <p:style>
+          <a:lnRef idx="3">
+            <a:schemeClr val="dk1"/>
+          </a:lnRef>
+          <a:fillRef idx="0">
+            <a:schemeClr val="dk1"/>
+          </a:fillRef>
+          <a:effectRef idx="2">
+            <a:schemeClr val="dk1"/>
+          </a:effectRef>
+          <a:fontRef idx="minor">
+            <a:schemeClr val="tx1"/>
+          </a:fontRef>
+        </p:style>
+        <p:txBody>
+          <a:bodyPr rtlCol="0" anchor="ctr"/>
+          <a:lstStyle/>
+          <a:p>
+            <a:pPr algn="ctr"/>
+            <a:endParaRPr lang="en-US"/>
+          </a:p>
+        </p:txBody>
+      </p:sp>
+      <p:sp>
+        <p:nvSpPr>
+          <p:cNvPr id="5" name="TextBox 4">
+            <a:extLst>
+              <a:ext uri="{FF2B5EF4-FFF2-40B4-BE49-F238E27FC236}">
+                <a16:creationId xmlns:a16="http://schemas.microsoft.com/office/drawing/2014/main" id="{3E93FC5E-DBF2-4A65-906A-1016C847F595}"/>
+              </a:ext>
+            </a:extLst>
+          </p:cNvPr>
+          <p:cNvSpPr txBox="1"/>
+          <p:nvPr/>
+        </p:nvSpPr>
+        <p:spPr>
+          <a:xfrm>
+            <a:off x="7698482" y="4603047"/>
+            <a:ext cx="2670773" cy="369332"/>
+          </a:xfrm>
+          <a:prstGeom prst="rect">
+            <a:avLst/>
+          </a:prstGeom>
+          <a:noFill/>
+        </p:spPr>
+        <p:txBody>
+          <a:bodyPr wrap="square" rtlCol="0">
+            <a:spAutoFit/>
+          </a:bodyPr>
+          <a:lstStyle/>
+          <a:p>
+            <a:r>
+              <a:rPr lang="en-US" dirty="0"/>
+              <a:t> 10-fold cross-validation </a:t>
+            </a:r>
+          </a:p>
+        </p:txBody>
+      </p:sp>
+      <p:cxnSp>
+        <p:nvCxnSpPr>
+          <p:cNvPr id="35" name="Connector: Elbow 33">
+            <a:extLst>
+              <a:ext uri="{FF2B5EF4-FFF2-40B4-BE49-F238E27FC236}">
+                <a16:creationId xmlns:a16="http://schemas.microsoft.com/office/drawing/2014/main" id="{A9AAA88F-0AAD-41DB-9890-D052F13CC155}"/>
+              </a:ext>
+            </a:extLst>
+          </p:cNvPr>
+          <p:cNvCxnSpPr>
+            <a:cxnSpLocks/>
+            <a:stCxn id="50" idx="2"/>
+            <a:endCxn id="31" idx="3"/>
+          </p:cNvCxnSpPr>
+          <p:nvPr/>
+        </p:nvCxnSpPr>
+        <p:spPr>
+          <a:xfrm>
+            <a:off x="6096000" y="2042266"/>
+            <a:ext cx="0" cy="270857"/>
+          </a:xfrm>
+          <a:prstGeom prst="straightConnector1">
+            <a:avLst/>
+          </a:prstGeom>
+          <a:ln>
+            <a:solidFill>
+              <a:schemeClr val="tx1"/>
+            </a:solidFill>
+            <a:tailEnd type="triangle"/>
+          </a:ln>
+        </p:spPr>
+        <p:style>
+          <a:lnRef idx="3">
+            <a:schemeClr val="dk1"/>
+          </a:lnRef>
+          <a:fillRef idx="0">
+            <a:schemeClr val="dk1"/>
+          </a:fillRef>
+          <a:effectRef idx="2">
+            <a:schemeClr val="dk1"/>
+          </a:effectRef>
+          <a:fontRef idx="minor">
+            <a:schemeClr val="tx1"/>
+          </a:fontRef>
+        </p:style>
+      </p:cxnSp>
+      <p:cxnSp>
+        <p:nvCxnSpPr>
+          <p:cNvPr id="40" name="Connector: Elbow 33">
+            <a:extLst>
+              <a:ext uri="{FF2B5EF4-FFF2-40B4-BE49-F238E27FC236}">
+                <a16:creationId xmlns:a16="http://schemas.microsoft.com/office/drawing/2014/main" id="{6606525C-D50A-406B-9D7A-45CF78F981D4}"/>
+              </a:ext>
+            </a:extLst>
+          </p:cNvPr>
+          <p:cNvCxnSpPr>
+            <a:cxnSpLocks/>
+            <a:stCxn id="31" idx="1"/>
+            <a:endCxn id="32" idx="3"/>
+          </p:cNvCxnSpPr>
+          <p:nvPr/>
+        </p:nvCxnSpPr>
+        <p:spPr>
+          <a:xfrm flipH="1">
+            <a:off x="6095999" y="2955919"/>
+            <a:ext cx="1" cy="279848"/>
+          </a:xfrm>
+          <a:prstGeom prst="straightConnector1">
+            <a:avLst/>
+          </a:prstGeom>
+          <a:ln>
+            <a:solidFill>
+              <a:schemeClr val="tx1"/>
+            </a:solidFill>
+            <a:tailEnd type="triangle"/>
+          </a:ln>
+        </p:spPr>
+        <p:style>
+          <a:lnRef idx="3">
+            <a:schemeClr val="dk1"/>
+          </a:lnRef>
+          <a:fillRef idx="0">
+            <a:schemeClr val="dk1"/>
+          </a:fillRef>
+          <a:effectRef idx="2">
+            <a:schemeClr val="dk1"/>
+          </a:effectRef>
+          <a:fontRef idx="minor">
+            <a:schemeClr val="tx1"/>
+          </a:fontRef>
+        </p:style>
+      </p:cxnSp>
+      <p:cxnSp>
+        <p:nvCxnSpPr>
+          <p:cNvPr id="43" name="Connector: Elbow 33">
+            <a:extLst>
+              <a:ext uri="{FF2B5EF4-FFF2-40B4-BE49-F238E27FC236}">
+                <a16:creationId xmlns:a16="http://schemas.microsoft.com/office/drawing/2014/main" id="{C5AA4F6C-1B0F-409F-8913-3892ABFC8598}"/>
+              </a:ext>
+            </a:extLst>
+          </p:cNvPr>
+          <p:cNvCxnSpPr>
+            <a:cxnSpLocks/>
+            <a:stCxn id="32" idx="1"/>
+            <a:endCxn id="33" idx="3"/>
+          </p:cNvCxnSpPr>
+          <p:nvPr/>
+        </p:nvCxnSpPr>
+        <p:spPr>
+          <a:xfrm>
+            <a:off x="6095999" y="3878563"/>
+            <a:ext cx="0" cy="279132"/>
+          </a:xfrm>
+          <a:prstGeom prst="straightConnector1">
+            <a:avLst/>
+          </a:prstGeom>
+          <a:ln>
+            <a:solidFill>
+              <a:schemeClr val="tx1"/>
+            </a:solidFill>
+            <a:tailEnd type="triangle"/>
+          </a:ln>
+        </p:spPr>
+        <p:style>
+          <a:lnRef idx="3">
+            <a:schemeClr val="dk1"/>
+          </a:lnRef>
+          <a:fillRef idx="0">
+            <a:schemeClr val="dk1"/>
+          </a:fillRef>
+          <a:effectRef idx="2">
+            <a:schemeClr val="dk1"/>
+          </a:effectRef>
+          <a:fontRef idx="minor">
+            <a:schemeClr val="tx1"/>
+          </a:fontRef>
+        </p:style>
+      </p:cxnSp>
+      <p:cxnSp>
+        <p:nvCxnSpPr>
+          <p:cNvPr id="52" name="Connector: Elbow 33">
+            <a:extLst>
+              <a:ext uri="{FF2B5EF4-FFF2-40B4-BE49-F238E27FC236}">
+                <a16:creationId xmlns:a16="http://schemas.microsoft.com/office/drawing/2014/main" id="{7CA97F14-F492-4BEB-BBD3-58E0FCE098E4}"/>
+              </a:ext>
+            </a:extLst>
+          </p:cNvPr>
+          <p:cNvCxnSpPr>
+            <a:cxnSpLocks/>
+            <a:stCxn id="33" idx="2"/>
+          </p:cNvCxnSpPr>
+          <p:nvPr/>
+        </p:nvCxnSpPr>
+        <p:spPr>
+          <a:xfrm rot="10800000" flipV="1">
+            <a:off x="2681584" y="4479093"/>
+            <a:ext cx="1946244" cy="1306072"/>
+          </a:xfrm>
+          <a:prstGeom prst="bentConnector3">
+            <a:avLst>
+              <a:gd name="adj1" fmla="val 50000"/>
+            </a:avLst>
+          </a:prstGeom>
+          <a:ln>
+            <a:solidFill>
+              <a:schemeClr val="tx1"/>
+            </a:solidFill>
+            <a:tailEnd type="triangle"/>
+          </a:ln>
+        </p:spPr>
+        <p:style>
+          <a:lnRef idx="3">
+            <a:schemeClr val="dk1"/>
+          </a:lnRef>
+          <a:fillRef idx="0">
+            <a:schemeClr val="dk1"/>
+          </a:fillRef>
+          <a:effectRef idx="2">
+            <a:schemeClr val="dk1"/>
+          </a:effectRef>
+          <a:fontRef idx="minor">
+            <a:schemeClr val="tx1"/>
+          </a:fontRef>
+        </p:style>
+      </p:cxnSp>
+      <p:cxnSp>
+        <p:nvCxnSpPr>
+          <p:cNvPr id="55" name="Connector: Elbow 33">
+            <a:extLst>
+              <a:ext uri="{FF2B5EF4-FFF2-40B4-BE49-F238E27FC236}">
+                <a16:creationId xmlns:a16="http://schemas.microsoft.com/office/drawing/2014/main" id="{9B5AA3A2-7CAB-4999-B583-CA2E6DB7F27E}"/>
+              </a:ext>
+            </a:extLst>
+          </p:cNvPr>
+          <p:cNvCxnSpPr>
+            <a:cxnSpLocks/>
+            <a:stCxn id="49" idx="2"/>
+          </p:cNvCxnSpPr>
+          <p:nvPr/>
+        </p:nvCxnSpPr>
+        <p:spPr>
+          <a:xfrm>
+            <a:off x="2681583" y="2041032"/>
+            <a:ext cx="0" cy="4314501"/>
+          </a:xfrm>
+          <a:prstGeom prst="straightConnector1">
+            <a:avLst/>
+          </a:prstGeom>
+          <a:ln>
+            <a:solidFill>
+              <a:schemeClr val="tx1"/>
+            </a:solidFill>
+            <a:tailEnd type="triangle"/>
+          </a:ln>
+        </p:spPr>
+        <p:style>
+          <a:lnRef idx="3">
+            <a:schemeClr val="dk1"/>
+          </a:lnRef>
+          <a:fillRef idx="0">
+            <a:schemeClr val="dk1"/>
+          </a:fillRef>
+          <a:effectRef idx="2">
+            <a:schemeClr val="dk1"/>
+          </a:effectRef>
+          <a:fontRef idx="minor">
+            <a:schemeClr val="tx1"/>
+          </a:fontRef>
+        </p:style>
+      </p:cxnSp>
+    </p:spTree>
+    <p:extLst>
+      <p:ext uri="{BB962C8B-B14F-4D97-AF65-F5344CB8AC3E}">
+        <p14:creationId xmlns:p14="http://schemas.microsoft.com/office/powerpoint/2010/main" val="4037549147"/>
       </p:ext>
     </p:extLst>
   </p:cSld>
